--- a/NETFLIX MOVIES AND TV SHOWS ANALYSIS.pptx
+++ b/NETFLIX MOVIES AND TV SHOWS ANALYSIS.pptx
@@ -5,24 +5,27 @@
     <p:sldMasterId id="2147483660" r:id="rId1"/>
   </p:sldMasterIdLst>
   <p:notesMasterIdLst>
-    <p:notesMasterId r:id="rId14"/>
+    <p:notesMasterId r:id="rId17"/>
   </p:notesMasterIdLst>
   <p:handoutMasterIdLst>
-    <p:handoutMasterId r:id="rId15"/>
+    <p:handoutMasterId r:id="rId18"/>
   </p:handoutMasterIdLst>
   <p:sldIdLst>
     <p:sldId id="279" r:id="rId2"/>
-    <p:sldId id="304" r:id="rId3"/>
-    <p:sldId id="287" r:id="rId4"/>
-    <p:sldId id="303" r:id="rId5"/>
-    <p:sldId id="292" r:id="rId6"/>
-    <p:sldId id="295" r:id="rId7"/>
-    <p:sldId id="296" r:id="rId8"/>
-    <p:sldId id="299" r:id="rId9"/>
-    <p:sldId id="293" r:id="rId10"/>
-    <p:sldId id="302" r:id="rId11"/>
-    <p:sldId id="305" r:id="rId12"/>
-    <p:sldId id="278" r:id="rId13"/>
+    <p:sldId id="307" r:id="rId3"/>
+    <p:sldId id="304" r:id="rId4"/>
+    <p:sldId id="287" r:id="rId5"/>
+    <p:sldId id="303" r:id="rId6"/>
+    <p:sldId id="292" r:id="rId7"/>
+    <p:sldId id="295" r:id="rId8"/>
+    <p:sldId id="296" r:id="rId9"/>
+    <p:sldId id="299" r:id="rId10"/>
+    <p:sldId id="293" r:id="rId11"/>
+    <p:sldId id="302" r:id="rId12"/>
+    <p:sldId id="305" r:id="rId13"/>
+    <p:sldId id="278" r:id="rId14"/>
+    <p:sldId id="308" r:id="rId15"/>
+    <p:sldId id="306" r:id="rId16"/>
   </p:sldIdLst>
   <p:sldSz cx="12188825" cy="6858000"/>
   <p:notesSz cx="6858000" cy="9144000"/>
@@ -159,7 +162,7 @@
   <pc:docChgLst>
     <pc:chgData name="gauri gupta" userId="090d1d0cbe7f1774" providerId="LiveId" clId="{F379E7B1-8F2E-43C2-9B7E-B5CB54581918}"/>
     <pc:docChg chg="undo redo custSel addSld delSld modSld sldOrd modMainMaster">
-      <pc:chgData name="gauri gupta" userId="090d1d0cbe7f1774" providerId="LiveId" clId="{F379E7B1-8F2E-43C2-9B7E-B5CB54581918}" dt="2022-12-12T04:44:11.529" v="3621" actId="20577"/>
+      <pc:chgData name="gauri gupta" userId="090d1d0cbe7f1774" providerId="LiveId" clId="{F379E7B1-8F2E-43C2-9B7E-B5CB54581918}" dt="2022-12-12T21:23:14.162" v="4880" actId="1076"/>
       <pc:docMkLst>
         <pc:docMk/>
       </pc:docMkLst>
@@ -230,22 +233,30 @@
           <pc:sldMk cId="3186028678" sldId="277"/>
         </pc:sldMkLst>
       </pc:sldChg>
-      <pc:sldChg chg="addSp modSp mod">
-        <pc:chgData name="gauri gupta" userId="090d1d0cbe7f1774" providerId="LiveId" clId="{F379E7B1-8F2E-43C2-9B7E-B5CB54581918}" dt="2022-12-11T22:49:59.217" v="751" actId="1076"/>
+      <pc:sldChg chg="addSp delSp modSp mod">
+        <pc:chgData name="gauri gupta" userId="090d1d0cbe7f1774" providerId="LiveId" clId="{F379E7B1-8F2E-43C2-9B7E-B5CB54581918}" dt="2022-12-12T21:01:40.272" v="4364" actId="20577"/>
         <pc:sldMkLst>
           <pc:docMk/>
           <pc:sldMk cId="1336900524" sldId="278"/>
         </pc:sldMkLst>
-        <pc:spChg chg="add mod">
-          <ac:chgData name="gauri gupta" userId="090d1d0cbe7f1774" providerId="LiveId" clId="{F379E7B1-8F2E-43C2-9B7E-B5CB54581918}" dt="2022-12-11T22:49:57.797" v="750" actId="1076"/>
+        <pc:spChg chg="add del mod">
+          <ac:chgData name="gauri gupta" userId="090d1d0cbe7f1774" providerId="LiveId" clId="{F379E7B1-8F2E-43C2-9B7E-B5CB54581918}" dt="2022-12-12T16:08:31.972" v="3637" actId="21"/>
           <ac:spMkLst>
             <pc:docMk/>
             <pc:sldMk cId="1336900524" sldId="278"/>
             <ac:spMk id="2" creationId="{AA1EBA20-8214-E81C-C367-82560B8167C0}"/>
           </ac:spMkLst>
         </pc:spChg>
+        <pc:spChg chg="add mod">
+          <ac:chgData name="gauri gupta" userId="090d1d0cbe7f1774" providerId="LiveId" clId="{F379E7B1-8F2E-43C2-9B7E-B5CB54581918}" dt="2022-12-12T21:01:40.272" v="4364" actId="20577"/>
+          <ac:spMkLst>
+            <pc:docMk/>
+            <pc:sldMk cId="1336900524" sldId="278"/>
+            <ac:spMk id="4" creationId="{737FAB18-5297-8172-3178-F14B7B34651E}"/>
+          </ac:spMkLst>
+        </pc:spChg>
         <pc:picChg chg="add mod">
-          <ac:chgData name="gauri gupta" userId="090d1d0cbe7f1774" providerId="LiveId" clId="{F379E7B1-8F2E-43C2-9B7E-B5CB54581918}" dt="2022-12-11T22:49:59.217" v="751" actId="1076"/>
+          <ac:chgData name="gauri gupta" userId="090d1d0cbe7f1774" providerId="LiveId" clId="{F379E7B1-8F2E-43C2-9B7E-B5CB54581918}" dt="2022-12-12T16:09:10.437" v="3645" actId="1076"/>
           <ac:picMkLst>
             <pc:docMk/>
             <pc:sldMk cId="1336900524" sldId="278"/>
@@ -254,7 +265,7 @@
         </pc:picChg>
       </pc:sldChg>
       <pc:sldChg chg="addSp delSp modSp mod">
-        <pc:chgData name="gauri gupta" userId="090d1d0cbe7f1774" providerId="LiveId" clId="{F379E7B1-8F2E-43C2-9B7E-B5CB54581918}" dt="2022-12-12T03:33:27.796" v="2525" actId="20577"/>
+        <pc:chgData name="gauri gupta" userId="090d1d0cbe7f1774" providerId="LiveId" clId="{F379E7B1-8F2E-43C2-9B7E-B5CB54581918}" dt="2022-12-12T20:56:15.715" v="4079" actId="21"/>
         <pc:sldMkLst>
           <pc:docMk/>
           <pc:sldMk cId="1082871649" sldId="279"/>
@@ -267,6 +278,14 @@
             <ac:spMk id="2" creationId="{00000000-0000-0000-0000-000000000000}"/>
           </ac:spMkLst>
         </pc:spChg>
+        <pc:picChg chg="add del mod">
+          <ac:chgData name="gauri gupta" userId="090d1d0cbe7f1774" providerId="LiveId" clId="{F379E7B1-8F2E-43C2-9B7E-B5CB54581918}" dt="2022-12-12T20:56:15.715" v="4079" actId="21"/>
+          <ac:picMkLst>
+            <pc:docMk/>
+            <pc:sldMk cId="1082871649" sldId="279"/>
+            <ac:picMk id="2050" creationId="{23CC92D0-7FBA-D64C-72F9-1671E0006330}"/>
+          </ac:picMkLst>
+        </pc:picChg>
       </pc:sldChg>
       <pc:sldChg chg="del">
         <pc:chgData name="gauri gupta" userId="090d1d0cbe7f1774" providerId="LiveId" clId="{F379E7B1-8F2E-43C2-9B7E-B5CB54581918}" dt="2022-12-11T22:49:16.099" v="734" actId="47"/>
@@ -358,13 +377,13 @@
         </pc:picChg>
       </pc:sldChg>
       <pc:sldChg chg="addSp delSp modSp mod ord">
-        <pc:chgData name="gauri gupta" userId="090d1d0cbe7f1774" providerId="LiveId" clId="{F379E7B1-8F2E-43C2-9B7E-B5CB54581918}" dt="2022-12-12T02:43:47.959" v="2076" actId="14100"/>
+        <pc:chgData name="gauri gupta" userId="090d1d0cbe7f1774" providerId="LiveId" clId="{F379E7B1-8F2E-43C2-9B7E-B5CB54581918}" dt="2022-12-12T18:00:53.532" v="3939" actId="207"/>
         <pc:sldMkLst>
           <pc:docMk/>
           <pc:sldMk cId="780761796" sldId="292"/>
         </pc:sldMkLst>
         <pc:spChg chg="mod">
-          <ac:chgData name="gauri gupta" userId="090d1d0cbe7f1774" providerId="LiveId" clId="{F379E7B1-8F2E-43C2-9B7E-B5CB54581918}" dt="2022-12-11T22:59:30.720" v="947" actId="20577"/>
+          <ac:chgData name="gauri gupta" userId="090d1d0cbe7f1774" providerId="LiveId" clId="{F379E7B1-8F2E-43C2-9B7E-B5CB54581918}" dt="2022-12-12T17:58:14.819" v="3900" actId="1076"/>
           <ac:spMkLst>
             <pc:docMk/>
             <pc:sldMk cId="780761796" sldId="292"/>
@@ -372,7 +391,23 @@
           </ac:spMkLst>
         </pc:spChg>
         <pc:spChg chg="add mod">
-          <ac:chgData name="gauri gupta" userId="090d1d0cbe7f1774" providerId="LiveId" clId="{F379E7B1-8F2E-43C2-9B7E-B5CB54581918}" dt="2022-12-11T22:58:36.639" v="929" actId="1076"/>
+          <ac:chgData name="gauri gupta" userId="090d1d0cbe7f1774" providerId="LiveId" clId="{F379E7B1-8F2E-43C2-9B7E-B5CB54581918}" dt="2022-12-12T18:00:47.968" v="3938" actId="207"/>
+          <ac:spMkLst>
+            <pc:docMk/>
+            <pc:sldMk cId="780761796" sldId="292"/>
+            <ac:spMk id="3" creationId="{3BC805AC-40F2-A450-39E2-63ACCF583CA2}"/>
+          </ac:spMkLst>
+        </pc:spChg>
+        <pc:spChg chg="add mod">
+          <ac:chgData name="gauri gupta" userId="090d1d0cbe7f1774" providerId="LiveId" clId="{F379E7B1-8F2E-43C2-9B7E-B5CB54581918}" dt="2022-12-12T18:00:53.532" v="3939" actId="207"/>
+          <ac:spMkLst>
+            <pc:docMk/>
+            <pc:sldMk cId="780761796" sldId="292"/>
+            <ac:spMk id="4" creationId="{9FAA6FDF-3A28-5E3A-754B-99E7FB5DD613}"/>
+          </ac:spMkLst>
+        </pc:spChg>
+        <pc:spChg chg="add mod">
+          <ac:chgData name="gauri gupta" userId="090d1d0cbe7f1774" providerId="LiveId" clId="{F379E7B1-8F2E-43C2-9B7E-B5CB54581918}" dt="2022-12-12T17:58:16.999" v="3901" actId="1076"/>
           <ac:spMkLst>
             <pc:docMk/>
             <pc:sldMk cId="780761796" sldId="292"/>
@@ -396,7 +431,7 @@
           </ac:picMkLst>
         </pc:picChg>
         <pc:picChg chg="add mod">
-          <ac:chgData name="gauri gupta" userId="090d1d0cbe7f1774" providerId="LiveId" clId="{F379E7B1-8F2E-43C2-9B7E-B5CB54581918}" dt="2022-12-12T02:43:47.959" v="2076" actId="14100"/>
+          <ac:chgData name="gauri gupta" userId="090d1d0cbe7f1774" providerId="LiveId" clId="{F379E7B1-8F2E-43C2-9B7E-B5CB54581918}" dt="2022-12-12T17:58:21.871" v="3903" actId="1076"/>
           <ac:picMkLst>
             <pc:docMk/>
             <pc:sldMk cId="780761796" sldId="292"/>
@@ -404,7 +439,7 @@
           </ac:picMkLst>
         </pc:picChg>
         <pc:picChg chg="add mod">
-          <ac:chgData name="gauri gupta" userId="090d1d0cbe7f1774" providerId="LiveId" clId="{F379E7B1-8F2E-43C2-9B7E-B5CB54581918}" dt="2022-12-12T02:43:40.807" v="2074" actId="1076"/>
+          <ac:chgData name="gauri gupta" userId="090d1d0cbe7f1774" providerId="LiveId" clId="{F379E7B1-8F2E-43C2-9B7E-B5CB54581918}" dt="2022-12-12T17:58:19.533" v="3902" actId="1076"/>
           <ac:picMkLst>
             <pc:docMk/>
             <pc:sldMk cId="780761796" sldId="292"/>
@@ -413,7 +448,7 @@
         </pc:picChg>
       </pc:sldChg>
       <pc:sldChg chg="addSp delSp modSp mod ord">
-        <pc:chgData name="gauri gupta" userId="090d1d0cbe7f1774" providerId="LiveId" clId="{F379E7B1-8F2E-43C2-9B7E-B5CB54581918}" dt="2022-12-12T03:21:24.239" v="2513" actId="1076"/>
+        <pc:chgData name="gauri gupta" userId="090d1d0cbe7f1774" providerId="LiveId" clId="{F379E7B1-8F2E-43C2-9B7E-B5CB54581918}" dt="2022-12-12T17:58:08.151" v="3899" actId="14100"/>
         <pc:sldMkLst>
           <pc:docMk/>
           <pc:sldMk cId="2876484734" sldId="293"/>
@@ -427,7 +462,7 @@
           </ac:spMkLst>
         </pc:spChg>
         <pc:picChg chg="add mod">
-          <ac:chgData name="gauri gupta" userId="090d1d0cbe7f1774" providerId="LiveId" clId="{F379E7B1-8F2E-43C2-9B7E-B5CB54581918}" dt="2022-12-12T03:19:21.153" v="2390" actId="1035"/>
+          <ac:chgData name="gauri gupta" userId="090d1d0cbe7f1774" providerId="LiveId" clId="{F379E7B1-8F2E-43C2-9B7E-B5CB54581918}" dt="2022-12-12T17:58:08.151" v="3899" actId="14100"/>
           <ac:picMkLst>
             <pc:docMk/>
             <pc:sldMk cId="2876484734" sldId="293"/>
@@ -483,13 +518,13 @@
         </pc:picChg>
       </pc:sldChg>
       <pc:sldChg chg="addSp delSp modSp mod ord">
-        <pc:chgData name="gauri gupta" userId="090d1d0cbe7f1774" providerId="LiveId" clId="{F379E7B1-8F2E-43C2-9B7E-B5CB54581918}" dt="2022-12-12T03:00:15.457" v="2098" actId="20577"/>
+        <pc:chgData name="gauri gupta" userId="090d1d0cbe7f1774" providerId="LiveId" clId="{F379E7B1-8F2E-43C2-9B7E-B5CB54581918}" dt="2022-12-12T18:01:56.985" v="3955" actId="1037"/>
         <pc:sldMkLst>
           <pc:docMk/>
           <pc:sldMk cId="290751582" sldId="295"/>
         </pc:sldMkLst>
         <pc:spChg chg="mod">
-          <ac:chgData name="gauri gupta" userId="090d1d0cbe7f1774" providerId="LiveId" clId="{F379E7B1-8F2E-43C2-9B7E-B5CB54581918}" dt="2022-12-12T03:00:15.457" v="2098" actId="20577"/>
+          <ac:chgData name="gauri gupta" userId="090d1d0cbe7f1774" providerId="LiveId" clId="{F379E7B1-8F2E-43C2-9B7E-B5CB54581918}" dt="2022-12-12T18:01:46.635" v="3951" actId="1076"/>
           <ac:spMkLst>
             <pc:docMk/>
             <pc:sldMk cId="290751582" sldId="295"/>
@@ -513,7 +548,7 @@
           </ac:picMkLst>
         </pc:picChg>
         <pc:picChg chg="add mod">
-          <ac:chgData name="gauri gupta" userId="090d1d0cbe7f1774" providerId="LiveId" clId="{F379E7B1-8F2E-43C2-9B7E-B5CB54581918}" dt="2022-12-12T02:59:18.547" v="2084" actId="1076"/>
+          <ac:chgData name="gauri gupta" userId="090d1d0cbe7f1774" providerId="LiveId" clId="{F379E7B1-8F2E-43C2-9B7E-B5CB54581918}" dt="2022-12-12T18:01:56.985" v="3955" actId="1037"/>
           <ac:picMkLst>
             <pc:docMk/>
             <pc:sldMk cId="290751582" sldId="295"/>
@@ -522,13 +557,13 @@
         </pc:picChg>
       </pc:sldChg>
       <pc:sldChg chg="addSp delSp modSp mod ord">
-        <pc:chgData name="gauri gupta" userId="090d1d0cbe7f1774" providerId="LiveId" clId="{F379E7B1-8F2E-43C2-9B7E-B5CB54581918}" dt="2022-12-12T02:31:51.980" v="1983" actId="1076"/>
+        <pc:chgData name="gauri gupta" userId="090d1d0cbe7f1774" providerId="LiveId" clId="{F379E7B1-8F2E-43C2-9B7E-B5CB54581918}" dt="2022-12-12T21:02:06.491" v="4369" actId="20577"/>
         <pc:sldMkLst>
           <pc:docMk/>
           <pc:sldMk cId="478477905" sldId="296"/>
         </pc:sldMkLst>
         <pc:spChg chg="mod">
-          <ac:chgData name="gauri gupta" userId="090d1d0cbe7f1774" providerId="LiveId" clId="{F379E7B1-8F2E-43C2-9B7E-B5CB54581918}" dt="2022-12-12T02:31:51.980" v="1983" actId="1076"/>
+          <ac:chgData name="gauri gupta" userId="090d1d0cbe7f1774" providerId="LiveId" clId="{F379E7B1-8F2E-43C2-9B7E-B5CB54581918}" dt="2022-12-12T21:02:06.491" v="4369" actId="20577"/>
           <ac:spMkLst>
             <pc:docMk/>
             <pc:sldMk cId="478477905" sldId="296"/>
@@ -567,12 +602,20 @@
             <ac:picMk id="11" creationId="{640E8DDD-5150-FD4D-2839-D74F63E25EEF}"/>
           </ac:picMkLst>
         </pc:picChg>
-        <pc:picChg chg="add mod">
-          <ac:chgData name="gauri gupta" userId="090d1d0cbe7f1774" providerId="LiveId" clId="{F379E7B1-8F2E-43C2-9B7E-B5CB54581918}" dt="2022-12-12T01:27:51.048" v="1109" actId="1076"/>
+        <pc:picChg chg="add del mod">
+          <ac:chgData name="gauri gupta" userId="090d1d0cbe7f1774" providerId="LiveId" clId="{F379E7B1-8F2E-43C2-9B7E-B5CB54581918}" dt="2022-12-12T18:05:53.719" v="3972" actId="478"/>
           <ac:picMkLst>
             <pc:docMk/>
             <pc:sldMk cId="478477905" sldId="296"/>
             <ac:picMk id="12" creationId="{0DBE958C-6382-4DFD-119D-84142AC4FD09}"/>
+          </ac:picMkLst>
+        </pc:picChg>
+        <pc:picChg chg="add mod">
+          <ac:chgData name="gauri gupta" userId="090d1d0cbe7f1774" providerId="LiveId" clId="{F379E7B1-8F2E-43C2-9B7E-B5CB54581918}" dt="2022-12-12T18:06:10.986" v="3978" actId="1076"/>
+          <ac:picMkLst>
+            <pc:docMk/>
+            <pc:sldMk cId="478477905" sldId="296"/>
+            <ac:picMk id="1026" creationId="{CE9FD512-A74E-0776-4FFA-B9E7E2697C73}"/>
           </ac:picMkLst>
         </pc:picChg>
         <pc:picChg chg="mod">
@@ -592,7 +635,7 @@
           </ac:cxnSpMkLst>
         </pc:cxnChg>
         <pc:cxnChg chg="add mod ord">
-          <ac:chgData name="gauri gupta" userId="090d1d0cbe7f1774" providerId="LiveId" clId="{F379E7B1-8F2E-43C2-9B7E-B5CB54581918}" dt="2022-12-12T01:34:15.086" v="1369" actId="166"/>
+          <ac:chgData name="gauri gupta" userId="090d1d0cbe7f1774" providerId="LiveId" clId="{F379E7B1-8F2E-43C2-9B7E-B5CB54581918}" dt="2022-12-12T18:06:16.351" v="3979" actId="166"/>
           <ac:cxnSpMkLst>
             <pc:docMk/>
             <pc:sldMk cId="478477905" sldId="296"/>
@@ -716,13 +759,13 @@
         </pc:picChg>
       </pc:sldChg>
       <pc:sldChg chg="addSp delSp modSp mod ord">
-        <pc:chgData name="gauri gupta" userId="090d1d0cbe7f1774" providerId="LiveId" clId="{F379E7B1-8F2E-43C2-9B7E-B5CB54581918}" dt="2022-12-12T04:42:30.516" v="3520" actId="20577"/>
+        <pc:chgData name="gauri gupta" userId="090d1d0cbe7f1774" providerId="LiveId" clId="{F379E7B1-8F2E-43C2-9B7E-B5CB54581918}" dt="2022-12-12T17:57:48.873" v="3896" actId="14100"/>
         <pc:sldMkLst>
           <pc:docMk/>
           <pc:sldMk cId="1276831761" sldId="302"/>
         </pc:sldMkLst>
         <pc:spChg chg="mod">
-          <ac:chgData name="gauri gupta" userId="090d1d0cbe7f1774" providerId="LiveId" clId="{F379E7B1-8F2E-43C2-9B7E-B5CB54581918}" dt="2022-12-12T04:42:30.516" v="3520" actId="20577"/>
+          <ac:chgData name="gauri gupta" userId="090d1d0cbe7f1774" providerId="LiveId" clId="{F379E7B1-8F2E-43C2-9B7E-B5CB54581918}" dt="2022-12-12T17:57:48.873" v="3896" actId="14100"/>
           <ac:spMkLst>
             <pc:docMk/>
             <pc:sldMk cId="1276831761" sldId="302"/>
@@ -730,7 +773,7 @@
           </ac:spMkLst>
         </pc:spChg>
         <pc:picChg chg="add mod modCrop">
-          <ac:chgData name="gauri gupta" userId="090d1d0cbe7f1774" providerId="LiveId" clId="{F379E7B1-8F2E-43C2-9B7E-B5CB54581918}" dt="2022-12-12T04:40:21.616" v="3376" actId="732"/>
+          <ac:chgData name="gauri gupta" userId="090d1d0cbe7f1774" providerId="LiveId" clId="{F379E7B1-8F2E-43C2-9B7E-B5CB54581918}" dt="2022-12-12T17:57:44.871" v="3895" actId="1076"/>
           <ac:picMkLst>
             <pc:docMk/>
             <pc:sldMk cId="1276831761" sldId="302"/>
@@ -747,13 +790,13 @@
         </pc:picChg>
       </pc:sldChg>
       <pc:sldChg chg="addSp delSp modSp mod">
-        <pc:chgData name="gauri gupta" userId="090d1d0cbe7f1774" providerId="LiveId" clId="{F379E7B1-8F2E-43C2-9B7E-B5CB54581918}" dt="2022-12-12T04:44:03.765" v="3614" actId="20577"/>
+        <pc:chgData name="gauri gupta" userId="090d1d0cbe7f1774" providerId="LiveId" clId="{F379E7B1-8F2E-43C2-9B7E-B5CB54581918}" dt="2022-12-12T18:28:59.874" v="3984" actId="20577"/>
         <pc:sldMkLst>
           <pc:docMk/>
           <pc:sldMk cId="2952205697" sldId="303"/>
         </pc:sldMkLst>
         <pc:spChg chg="mod">
-          <ac:chgData name="gauri gupta" userId="090d1d0cbe7f1774" providerId="LiveId" clId="{F379E7B1-8F2E-43C2-9B7E-B5CB54581918}" dt="2022-12-11T22:24:43.379" v="550" actId="1076"/>
+          <ac:chgData name="gauri gupta" userId="090d1d0cbe7f1774" providerId="LiveId" clId="{F379E7B1-8F2E-43C2-9B7E-B5CB54581918}" dt="2022-12-12T18:28:39.516" v="3982" actId="1076"/>
           <ac:spMkLst>
             <pc:docMk/>
             <pc:sldMk cId="2952205697" sldId="303"/>
@@ -761,7 +804,7 @@
           </ac:spMkLst>
         </pc:spChg>
         <pc:spChg chg="mod">
-          <ac:chgData name="gauri gupta" userId="090d1d0cbe7f1774" providerId="LiveId" clId="{F379E7B1-8F2E-43C2-9B7E-B5CB54581918}" dt="2022-12-12T04:44:03.765" v="3614" actId="20577"/>
+          <ac:chgData name="gauri gupta" userId="090d1d0cbe7f1774" providerId="LiveId" clId="{F379E7B1-8F2E-43C2-9B7E-B5CB54581918}" dt="2022-12-12T18:28:59.874" v="3984" actId="20577"/>
           <ac:spMkLst>
             <pc:docMk/>
             <pc:sldMk cId="2952205697" sldId="303"/>
@@ -777,14 +820,14 @@
           </ac:graphicFrameMkLst>
         </pc:graphicFrameChg>
       </pc:sldChg>
-      <pc:sldChg chg="modSp new mod ord">
-        <pc:chgData name="gauri gupta" userId="090d1d0cbe7f1774" providerId="LiveId" clId="{F379E7B1-8F2E-43C2-9B7E-B5CB54581918}" dt="2022-12-12T04:44:11.529" v="3621" actId="20577"/>
+      <pc:sldChg chg="addSp modSp new mod ord">
+        <pc:chgData name="gauri gupta" userId="090d1d0cbe7f1774" providerId="LiveId" clId="{F379E7B1-8F2E-43C2-9B7E-B5CB54581918}" dt="2022-12-12T21:23:14.162" v="4880" actId="1076"/>
         <pc:sldMkLst>
           <pc:docMk/>
           <pc:sldMk cId="3714490249" sldId="304"/>
         </pc:sldMkLst>
         <pc:spChg chg="mod">
-          <ac:chgData name="gauri gupta" userId="090d1d0cbe7f1774" providerId="LiveId" clId="{F379E7B1-8F2E-43C2-9B7E-B5CB54581918}" dt="2022-12-12T04:44:11.529" v="3621" actId="20577"/>
+          <ac:chgData name="gauri gupta" userId="090d1d0cbe7f1774" providerId="LiveId" clId="{F379E7B1-8F2E-43C2-9B7E-B5CB54581918}" dt="2022-12-12T20:56:33.843" v="4087" actId="1076"/>
           <ac:spMkLst>
             <pc:docMk/>
             <pc:sldMk cId="3714490249" sldId="304"/>
@@ -792,16 +835,32 @@
           </ac:spMkLst>
         </pc:spChg>
         <pc:spChg chg="mod">
-          <ac:chgData name="gauri gupta" userId="090d1d0cbe7f1774" providerId="LiveId" clId="{F379E7B1-8F2E-43C2-9B7E-B5CB54581918}" dt="2022-12-11T22:45:00.539" v="709" actId="20577"/>
+          <ac:chgData name="gauri gupta" userId="090d1d0cbe7f1774" providerId="LiveId" clId="{F379E7B1-8F2E-43C2-9B7E-B5CB54581918}" dt="2022-12-12T21:23:14.162" v="4880" actId="1076"/>
           <ac:spMkLst>
             <pc:docMk/>
             <pc:sldMk cId="3714490249" sldId="304"/>
             <ac:spMk id="3" creationId="{182DA451-B954-F00D-D20F-272E5241EC29}"/>
           </ac:spMkLst>
         </pc:spChg>
+        <pc:picChg chg="add mod">
+          <ac:chgData name="gauri gupta" userId="090d1d0cbe7f1774" providerId="LiveId" clId="{F379E7B1-8F2E-43C2-9B7E-B5CB54581918}" dt="2022-12-12T21:07:32.378" v="4563" actId="1076"/>
+          <ac:picMkLst>
+            <pc:docMk/>
+            <pc:sldMk cId="3714490249" sldId="304"/>
+            <ac:picMk id="4" creationId="{6989DF7B-7997-B775-3FDE-FE2BBA766013}"/>
+          </ac:picMkLst>
+        </pc:picChg>
+        <pc:picChg chg="add mod">
+          <ac:chgData name="gauri gupta" userId="090d1d0cbe7f1774" providerId="LiveId" clId="{F379E7B1-8F2E-43C2-9B7E-B5CB54581918}" dt="2022-12-12T21:08:00.571" v="4569" actId="1076"/>
+          <ac:picMkLst>
+            <pc:docMk/>
+            <pc:sldMk cId="3714490249" sldId="304"/>
+            <ac:picMk id="6" creationId="{E7AA4782-BEFF-4EB2-972A-BBCD283F3923}"/>
+          </ac:picMkLst>
+        </pc:picChg>
       </pc:sldChg>
       <pc:sldChg chg="addSp delSp modSp new mod">
-        <pc:chgData name="gauri gupta" userId="090d1d0cbe7f1774" providerId="LiveId" clId="{F379E7B1-8F2E-43C2-9B7E-B5CB54581918}" dt="2022-12-12T04:42:53.994" v="3540" actId="14100"/>
+        <pc:chgData name="gauri gupta" userId="090d1d0cbe7f1774" providerId="LiveId" clId="{F379E7B1-8F2E-43C2-9B7E-B5CB54581918}" dt="2022-12-12T17:57:23.593" v="3892" actId="1076"/>
         <pc:sldMkLst>
           <pc:docMk/>
           <pc:sldMk cId="435294588" sldId="305"/>
@@ -823,7 +882,7 @@
           </ac:spMkLst>
         </pc:spChg>
         <pc:spChg chg="add mod">
-          <ac:chgData name="gauri gupta" userId="090d1d0cbe7f1774" providerId="LiveId" clId="{F379E7B1-8F2E-43C2-9B7E-B5CB54581918}" dt="2022-12-12T04:42:53.994" v="3540" actId="14100"/>
+          <ac:chgData name="gauri gupta" userId="090d1d0cbe7f1774" providerId="LiveId" clId="{F379E7B1-8F2E-43C2-9B7E-B5CB54581918}" dt="2022-12-12T17:57:23.593" v="3892" actId="1076"/>
           <ac:spMkLst>
             <pc:docMk/>
             <pc:sldMk cId="435294588" sldId="305"/>
@@ -831,11 +890,72 @@
           </ac:spMkLst>
         </pc:spChg>
         <pc:picChg chg="add mod">
-          <ac:chgData name="gauri gupta" userId="090d1d0cbe7f1774" providerId="LiveId" clId="{F379E7B1-8F2E-43C2-9B7E-B5CB54581918}" dt="2022-12-12T04:40:05.365" v="3375" actId="1076"/>
+          <ac:chgData name="gauri gupta" userId="090d1d0cbe7f1774" providerId="LiveId" clId="{F379E7B1-8F2E-43C2-9B7E-B5CB54581918}" dt="2022-12-12T16:07:50.941" v="3631" actId="1076"/>
           <ac:picMkLst>
             <pc:docMk/>
             <pc:sldMk cId="435294588" sldId="305"/>
             <ac:picMk id="5" creationId="{ED20D021-5846-19DB-43AB-5B47E53B88E5}"/>
+          </ac:picMkLst>
+        </pc:picChg>
+      </pc:sldChg>
+      <pc:sldChg chg="addSp modSp new mod">
+        <pc:chgData name="gauri gupta" userId="090d1d0cbe7f1774" providerId="LiveId" clId="{F379E7B1-8F2E-43C2-9B7E-B5CB54581918}" dt="2022-12-12T16:08:40.980" v="3640" actId="1076"/>
+        <pc:sldMkLst>
+          <pc:docMk/>
+          <pc:sldMk cId="3791158847" sldId="306"/>
+        </pc:sldMkLst>
+        <pc:spChg chg="add mod">
+          <ac:chgData name="gauri gupta" userId="090d1d0cbe7f1774" providerId="LiveId" clId="{F379E7B1-8F2E-43C2-9B7E-B5CB54581918}" dt="2022-12-12T16:08:40.980" v="3640" actId="1076"/>
+          <ac:spMkLst>
+            <pc:docMk/>
+            <pc:sldMk cId="3791158847" sldId="306"/>
+            <ac:spMk id="2" creationId="{9712E6A6-7F63-6891-BB0E-3DD7523E1DE8}"/>
+          </ac:spMkLst>
+        </pc:spChg>
+      </pc:sldChg>
+      <pc:sldChg chg="modSp new mod">
+        <pc:chgData name="gauri gupta" userId="090d1d0cbe7f1774" providerId="LiveId" clId="{F379E7B1-8F2E-43C2-9B7E-B5CB54581918}" dt="2022-12-12T21:05:35.558" v="4516" actId="12"/>
+        <pc:sldMkLst>
+          <pc:docMk/>
+          <pc:sldMk cId="2634793049" sldId="307"/>
+        </pc:sldMkLst>
+        <pc:spChg chg="mod">
+          <ac:chgData name="gauri gupta" userId="090d1d0cbe7f1774" providerId="LiveId" clId="{F379E7B1-8F2E-43C2-9B7E-B5CB54581918}" dt="2022-12-12T21:03:37.357" v="4498" actId="122"/>
+          <ac:spMkLst>
+            <pc:docMk/>
+            <pc:sldMk cId="2634793049" sldId="307"/>
+            <ac:spMk id="2" creationId="{5BC31F06-FEFB-4E98-0449-0293F9E2124D}"/>
+          </ac:spMkLst>
+        </pc:spChg>
+        <pc:spChg chg="mod">
+          <ac:chgData name="gauri gupta" userId="090d1d0cbe7f1774" providerId="LiveId" clId="{F379E7B1-8F2E-43C2-9B7E-B5CB54581918}" dt="2022-12-12T21:05:35.558" v="4516" actId="12"/>
+          <ac:spMkLst>
+            <pc:docMk/>
+            <pc:sldMk cId="2634793049" sldId="307"/>
+            <ac:spMk id="3" creationId="{CB76FB1A-FD9E-95B6-25D3-E966540A8053}"/>
+          </ac:spMkLst>
+        </pc:spChg>
+      </pc:sldChg>
+      <pc:sldChg chg="addSp delSp modSp new">
+        <pc:chgData name="gauri gupta" userId="090d1d0cbe7f1774" providerId="LiveId" clId="{F379E7B1-8F2E-43C2-9B7E-B5CB54581918}" dt="2022-12-12T21:05:20.108" v="4515"/>
+        <pc:sldMkLst>
+          <pc:docMk/>
+          <pc:sldMk cId="465654178" sldId="308"/>
+        </pc:sldMkLst>
+        <pc:picChg chg="add del mod">
+          <ac:chgData name="gauri gupta" userId="090d1d0cbe7f1774" providerId="LiveId" clId="{F379E7B1-8F2E-43C2-9B7E-B5CB54581918}" dt="2022-12-12T21:05:17.872" v="4514" actId="478"/>
+          <ac:picMkLst>
+            <pc:docMk/>
+            <pc:sldMk cId="465654178" sldId="308"/>
+            <ac:picMk id="3074" creationId="{CDB91BB0-9CA4-A23C-E67A-68EC1552E549}"/>
+          </ac:picMkLst>
+        </pc:picChg>
+        <pc:picChg chg="add">
+          <ac:chgData name="gauri gupta" userId="090d1d0cbe7f1774" providerId="LiveId" clId="{F379E7B1-8F2E-43C2-9B7E-B5CB54581918}" dt="2022-12-12T21:05:20.108" v="4515"/>
+          <ac:picMkLst>
+            <pc:docMk/>
+            <pc:sldMk cId="465654178" sldId="308"/>
+            <ac:picMk id="3076" creationId="{BB73C0C6-5F48-7118-0CDD-A6A50BA0F108}"/>
           </ac:picMkLst>
         </pc:picChg>
       </pc:sldChg>
@@ -1164,7 +1284,7 @@
           <a:p>
             <a:fld id="{4954C6E1-AF92-4FB7-A013-0B520EBC30AE}" type="datetimeFigureOut">
               <a:rPr lang="en-US"/>
-              <a:t>12/11/2022</a:t>
+              <a:t>12/12/2022</a:t>
             </a:fld>
             <a:endParaRPr/>
           </a:p>
@@ -1329,7 +1449,7 @@
           <a:p>
             <a:fld id="{95C10850-0874-4A61-99B4-D613C5E8D9EA}" type="datetimeFigureOut">
               <a:rPr lang="en-US"/>
-              <a:t>12/11/2022</a:t>
+              <a:t>12/12/2022</a:t>
             </a:fld>
             <a:endParaRPr/>
           </a:p>
@@ -2739,7 +2859,7 @@
           <a:p>
             <a:fld id="{3B9B9059-F1D6-41D0-95CF-D21CAA096B3A}" type="datetimeFigureOut">
               <a:rPr lang="en-US"/>
-              <a:t>12/11/2022</a:t>
+              <a:t>12/12/2022</a:t>
             </a:fld>
             <a:endParaRPr/>
           </a:p>
@@ -2978,7 +3098,7 @@
           <a:p>
             <a:fld id="{3B9B9059-F1D6-41D0-95CF-D21CAA096B3A}" type="datetimeFigureOut">
               <a:rPr lang="en-US"/>
-              <a:t>12/11/2022</a:t>
+              <a:t>12/12/2022</a:t>
             </a:fld>
             <a:endParaRPr/>
           </a:p>
@@ -3171,7 +3291,7 @@
           <a:p>
             <a:fld id="{3B9B9059-F1D6-41D0-95CF-D21CAA096B3A}" type="datetimeFigureOut">
               <a:rPr lang="en-US"/>
-              <a:t>12/11/2022</a:t>
+              <a:t>12/12/2022</a:t>
             </a:fld>
             <a:endParaRPr/>
           </a:p>
@@ -3917,7 +4037,7 @@
           <a:p>
             <a:fld id="{3B9B9059-F1D6-41D0-95CF-D21CAA096B3A}" type="datetimeFigureOut">
               <a:rPr lang="en-US"/>
-              <a:t>12/11/2022</a:t>
+              <a:t>12/12/2022</a:t>
             </a:fld>
             <a:endParaRPr/>
           </a:p>
@@ -4216,7 +4336,7 @@
           <a:p>
             <a:fld id="{3B9B9059-F1D6-41D0-95CF-D21CAA096B3A}" type="datetimeFigureOut">
               <a:rPr lang="en-US"/>
-              <a:t>12/11/2022</a:t>
+              <a:t>12/12/2022</a:t>
             </a:fld>
             <a:endParaRPr/>
           </a:p>
@@ -4673,7 +4793,7 @@
           <a:p>
             <a:fld id="{3B9B9059-F1D6-41D0-95CF-D21CAA096B3A}" type="datetimeFigureOut">
               <a:rPr lang="en-US"/>
-              <a:t>12/11/2022</a:t>
+              <a:t>12/12/2022</a:t>
             </a:fld>
             <a:endParaRPr/>
           </a:p>
@@ -4798,7 +4918,7 @@
           <a:p>
             <a:fld id="{3B9B9059-F1D6-41D0-95CF-D21CAA096B3A}" type="datetimeFigureOut">
               <a:rPr lang="en-US"/>
-              <a:t>12/11/2022</a:t>
+              <a:t>12/12/2022</a:t>
             </a:fld>
             <a:endParaRPr/>
           </a:p>
@@ -6101,7 +6221,7 @@
             <a:fld id="{3B9B9059-F1D6-41D0-95CF-D21CAA096B3A}" type="datetimeFigureOut">
               <a:rPr lang="en-US"/>
               <a:pPr/>
-              <a:t>12/11/2022</a:t>
+              <a:t>12/12/2022</a:t>
             </a:fld>
             <a:endParaRPr/>
           </a:p>
@@ -6667,7 +6787,7 @@
           <p:cNvPr id="2" name="Title 1">
             <a:extLst>
               <a:ext uri="{FF2B5EF4-FFF2-40B4-BE49-F238E27FC236}">
-                <a16:creationId xmlns:a16="http://schemas.microsoft.com/office/drawing/2014/main" id="{3D614106-7D5F-AB0E-5954-DE5EAAE22E1E}"/>
+                <a16:creationId xmlns:a16="http://schemas.microsoft.com/office/drawing/2014/main" id="{6E50D55E-A341-1C2B-BD95-12B19C0BABD8}"/>
               </a:ext>
             </a:extLst>
           </p:cNvPr>
@@ -6680,62 +6800,129 @@
         </p:nvSpPr>
         <p:spPr>
           <a:xfrm>
-            <a:off x="303212" y="247543"/>
-            <a:ext cx="10360501" cy="1219200"/>
+            <a:off x="439599" y="424646"/>
+            <a:ext cx="11041654" cy="1632754"/>
           </a:xfrm>
         </p:spPr>
         <p:txBody>
-          <a:bodyPr/>
+          <a:bodyPr>
+            <a:normAutofit fontScale="90000"/>
+          </a:bodyPr>
           <a:lstStyle/>
           <a:p>
             <a:r>
               <a:rPr lang="en-US" dirty="0"/>
-              <a:t>Top 10 highest rated titles based on </a:t>
-            </a:r>
-            <a:r>
-              <a:rPr lang="en-US" dirty="0" err="1"/>
-              <a:t>imdb</a:t>
-            </a:r>
-            <a:r>
+              <a:t>What are the most popular maturity rating on Netflix?</a:t>
+            </a:r>
+            <a:br>
               <a:rPr lang="en-US" dirty="0"/>
-              <a:t> rating</a:t>
-            </a:r>
+            </a:br>
+            <a:r>
+              <a:rPr lang="en-US" sz="3100" dirty="0"/>
+              <a:t>Most of the movies available on Netflix are for a mature audience. The maximum number of titles is for Movies with tv ma ratings </a:t>
+            </a:r>
+            <a:endParaRPr lang="en-US" dirty="0"/>
           </a:p>
         </p:txBody>
       </p:sp>
       <p:pic>
         <p:nvPicPr>
-          <p:cNvPr id="5" name="Picture 4">
+          <p:cNvPr id="4" name="Picture 2">
             <a:extLst>
               <a:ext uri="{FF2B5EF4-FFF2-40B4-BE49-F238E27FC236}">
-                <a16:creationId xmlns:a16="http://schemas.microsoft.com/office/drawing/2014/main" id="{7A17285D-CC30-7884-0375-8D19030F8A5F}"/>
+                <a16:creationId xmlns:a16="http://schemas.microsoft.com/office/drawing/2014/main" id="{AAB98DED-0B6F-8DF4-763F-E24F4251F9E9}"/>
               </a:ext>
             </a:extLst>
           </p:cNvPr>
           <p:cNvPicPr>
-            <a:picLocks noChangeAspect="1"/>
+            <a:picLocks noChangeAspect="1" noChangeArrowheads="1"/>
           </p:cNvPicPr>
           <p:nvPr/>
         </p:nvPicPr>
-        <p:blipFill rotWithShape="1">
-          <a:blip r:embed="rId2"/>
-          <a:srcRect l="3097"/>
-          <a:stretch/>
+        <p:blipFill>
+          <a:blip r:embed="rId2">
+            <a:extLst>
+              <a:ext uri="{28A0092B-C50C-407E-A947-70E740481C1C}">
+                <a14:useLocalDpi xmlns:a14="http://schemas.microsoft.com/office/drawing/2010/main" val="0"/>
+              </a:ext>
+            </a:extLst>
+          </a:blip>
+          <a:srcRect/>
+          <a:stretch>
+            <a:fillRect/>
+          </a:stretch>
         </p:blipFill>
-        <p:spPr>
+        <p:spPr bwMode="auto">
           <a:xfrm>
-            <a:off x="760412" y="1905000"/>
-            <a:ext cx="9903301" cy="4572000"/>
+            <a:off x="5789612" y="1981200"/>
+            <a:ext cx="5356712" cy="3833812"/>
           </a:xfrm>
           <a:prstGeom prst="rect">
             <a:avLst/>
           </a:prstGeom>
+          <a:noFill/>
+          <a:extLst>
+            <a:ext uri="{909E8E84-426E-40DD-AFC4-6F175D3DCCD1}">
+              <a14:hiddenFill xmlns:a14="http://schemas.microsoft.com/office/drawing/2010/main">
+                <a:solidFill>
+                  <a:srgbClr val="FFFFFF"/>
+                </a:solidFill>
+              </a14:hiddenFill>
+            </a:ext>
+          </a:extLst>
+        </p:spPr>
+      </p:pic>
+      <p:pic>
+        <p:nvPicPr>
+          <p:cNvPr id="5128" name="Picture 8">
+            <a:extLst>
+              <a:ext uri="{FF2B5EF4-FFF2-40B4-BE49-F238E27FC236}">
+                <a16:creationId xmlns:a16="http://schemas.microsoft.com/office/drawing/2014/main" id="{443FE109-D484-455F-9828-4D8F7AFEEF3B}"/>
+              </a:ext>
+            </a:extLst>
+          </p:cNvPr>
+          <p:cNvPicPr>
+            <a:picLocks noChangeAspect="1" noChangeArrowheads="1"/>
+          </p:cNvPicPr>
+          <p:nvPr/>
+        </p:nvPicPr>
+        <p:blipFill>
+          <a:blip r:embed="rId3">
+            <a:extLst>
+              <a:ext uri="{28A0092B-C50C-407E-A947-70E740481C1C}">
+                <a14:useLocalDpi xmlns:a14="http://schemas.microsoft.com/office/drawing/2010/main" val="0"/>
+              </a:ext>
+            </a:extLst>
+          </a:blip>
+          <a:srcRect/>
+          <a:stretch>
+            <a:fillRect/>
+          </a:stretch>
+        </p:blipFill>
+        <p:spPr bwMode="auto">
+          <a:xfrm>
+            <a:off x="439599" y="1981200"/>
+            <a:ext cx="5035025" cy="3833812"/>
+          </a:xfrm>
+          <a:prstGeom prst="rect">
+            <a:avLst/>
+          </a:prstGeom>
+          <a:noFill/>
+          <a:extLst>
+            <a:ext uri="{909E8E84-426E-40DD-AFC4-6F175D3DCCD1}">
+              <a14:hiddenFill xmlns:a14="http://schemas.microsoft.com/office/drawing/2010/main">
+                <a:solidFill>
+                  <a:srgbClr val="FFFFFF"/>
+                </a:solidFill>
+              </a14:hiddenFill>
+            </a:ext>
+          </a:extLst>
         </p:spPr>
       </p:pic>
     </p:spTree>
     <p:extLst>
       <p:ext uri="{BB962C8B-B14F-4D97-AF65-F5344CB8AC3E}">
-        <p14:creationId xmlns:p14="http://schemas.microsoft.com/office/powerpoint/2010/main" val="1276831761"/>
+        <p14:creationId xmlns:p14="http://schemas.microsoft.com/office/powerpoint/2010/main" val="2876484734"/>
       </p:ext>
     </p:extLst>
   </p:cSld>
@@ -6774,42 +6961,12 @@
           <a:chExt cx="0" cy="0"/>
         </a:xfrm>
       </p:grpSpPr>
-      <p:pic>
-        <p:nvPicPr>
-          <p:cNvPr id="5" name="Picture 4">
+      <p:sp>
+        <p:nvSpPr>
+          <p:cNvPr id="2" name="Title 1">
             <a:extLst>
               <a:ext uri="{FF2B5EF4-FFF2-40B4-BE49-F238E27FC236}">
-                <a16:creationId xmlns:a16="http://schemas.microsoft.com/office/drawing/2014/main" id="{ED20D021-5846-19DB-43AB-5B47E53B88E5}"/>
-              </a:ext>
-            </a:extLst>
-          </p:cNvPr>
-          <p:cNvPicPr>
-            <a:picLocks noChangeAspect="1"/>
-          </p:cNvPicPr>
-          <p:nvPr/>
-        </p:nvPicPr>
-        <p:blipFill>
-          <a:blip r:embed="rId2"/>
-          <a:stretch>
-            <a:fillRect/>
-          </a:stretch>
-        </p:blipFill>
-        <p:spPr>
-          <a:xfrm>
-            <a:off x="999455" y="2057400"/>
-            <a:ext cx="10240963" cy="4494787"/>
-          </a:xfrm>
-          <a:prstGeom prst="rect">
-            <a:avLst/>
-          </a:prstGeom>
-        </p:spPr>
-      </p:pic>
-      <p:sp>
-        <p:nvSpPr>
-          <p:cNvPr id="6" name="Title 1">
-            <a:extLst>
-              <a:ext uri="{FF2B5EF4-FFF2-40B4-BE49-F238E27FC236}">
-                <a16:creationId xmlns:a16="http://schemas.microsoft.com/office/drawing/2014/main" id="{C02D7112-2620-7EE4-D72D-E31A12676E8D}"/>
+                <a16:creationId xmlns:a16="http://schemas.microsoft.com/office/drawing/2014/main" id="{3D614106-7D5F-AB0E-5954-DE5EAAE22E1E}"/>
               </a:ext>
             </a:extLst>
           </p:cNvPr>
@@ -6822,33 +6979,56 @@
         </p:nvSpPr>
         <p:spPr>
           <a:xfrm>
-            <a:off x="303212" y="247543"/>
-            <a:ext cx="11049000" cy="1219200"/>
+            <a:off x="608012" y="76200"/>
+            <a:ext cx="10896600" cy="1219200"/>
           </a:xfrm>
         </p:spPr>
         <p:txBody>
-          <a:bodyPr/>
+          <a:bodyPr>
+            <a:normAutofit/>
+          </a:bodyPr>
           <a:lstStyle/>
           <a:p>
             <a:r>
-              <a:rPr lang="en-US" dirty="0"/>
-              <a:t>Lowest 10 rated titles based on </a:t>
-            </a:r>
-            <a:r>
-              <a:rPr lang="en-US" dirty="0" err="1"/>
-              <a:t>imdb</a:t>
-            </a:r>
-            <a:r>
-              <a:rPr lang="en-US" dirty="0"/>
-              <a:t> rating</a:t>
+              <a:rPr lang="en-US" sz="3200" dirty="0"/>
+              <a:t>Top 10 highest-rated titles based on IMDb rating</a:t>
             </a:r>
           </a:p>
         </p:txBody>
       </p:sp>
+      <p:pic>
+        <p:nvPicPr>
+          <p:cNvPr id="5" name="Picture 4">
+            <a:extLst>
+              <a:ext uri="{FF2B5EF4-FFF2-40B4-BE49-F238E27FC236}">
+                <a16:creationId xmlns:a16="http://schemas.microsoft.com/office/drawing/2014/main" id="{7A17285D-CC30-7884-0375-8D19030F8A5F}"/>
+              </a:ext>
+            </a:extLst>
+          </p:cNvPr>
+          <p:cNvPicPr>
+            <a:picLocks noChangeAspect="1"/>
+          </p:cNvPicPr>
+          <p:nvPr/>
+        </p:nvPicPr>
+        <p:blipFill rotWithShape="1">
+          <a:blip r:embed="rId2"/>
+          <a:srcRect l="3097"/>
+          <a:stretch/>
+        </p:blipFill>
+        <p:spPr>
+          <a:xfrm>
+            <a:off x="760412" y="1524000"/>
+            <a:ext cx="9903301" cy="4572000"/>
+          </a:xfrm>
+          <a:prstGeom prst="rect">
+            <a:avLst/>
+          </a:prstGeom>
+        </p:spPr>
+      </p:pic>
     </p:spTree>
     <p:extLst>
       <p:ext uri="{BB962C8B-B14F-4D97-AF65-F5344CB8AC3E}">
-        <p14:creationId xmlns:p14="http://schemas.microsoft.com/office/powerpoint/2010/main" val="435294588"/>
+        <p14:creationId xmlns:p14="http://schemas.microsoft.com/office/powerpoint/2010/main" val="1276831761"/>
       </p:ext>
     </p:extLst>
   </p:cSld>
@@ -6887,12 +7067,174 @@
           <a:chExt cx="0" cy="0"/>
         </a:xfrm>
       </p:grpSpPr>
+      <p:pic>
+        <p:nvPicPr>
+          <p:cNvPr id="5" name="Picture 4">
+            <a:extLst>
+              <a:ext uri="{FF2B5EF4-FFF2-40B4-BE49-F238E27FC236}">
+                <a16:creationId xmlns:a16="http://schemas.microsoft.com/office/drawing/2014/main" id="{ED20D021-5846-19DB-43AB-5B47E53B88E5}"/>
+              </a:ext>
+            </a:extLst>
+          </p:cNvPr>
+          <p:cNvPicPr>
+            <a:picLocks noChangeAspect="1"/>
+          </p:cNvPicPr>
+          <p:nvPr/>
+        </p:nvPicPr>
+        <p:blipFill>
+          <a:blip r:embed="rId2"/>
+          <a:stretch>
+            <a:fillRect/>
+          </a:stretch>
+        </p:blipFill>
+        <p:spPr>
+          <a:xfrm>
+            <a:off x="684212" y="1524000"/>
+            <a:ext cx="10240963" cy="4494787"/>
+          </a:xfrm>
+          <a:prstGeom prst="rect">
+            <a:avLst/>
+          </a:prstGeom>
+        </p:spPr>
+      </p:pic>
       <p:sp>
         <p:nvSpPr>
-          <p:cNvPr id="2" name="Title 1">
+          <p:cNvPr id="6" name="Title 1">
             <a:extLst>
               <a:ext uri="{FF2B5EF4-FFF2-40B4-BE49-F238E27FC236}">
-                <a16:creationId xmlns:a16="http://schemas.microsoft.com/office/drawing/2014/main" id="{AA1EBA20-8214-E81C-C367-82560B8167C0}"/>
+                <a16:creationId xmlns:a16="http://schemas.microsoft.com/office/drawing/2014/main" id="{C02D7112-2620-7EE4-D72D-E31A12676E8D}"/>
+              </a:ext>
+            </a:extLst>
+          </p:cNvPr>
+          <p:cNvSpPr>
+            <a:spLocks noGrp="1"/>
+          </p:cNvSpPr>
+          <p:nvPr>
+            <p:ph type="title"/>
+          </p:nvPr>
+        </p:nvSpPr>
+        <p:spPr>
+          <a:xfrm>
+            <a:off x="684212" y="-228600"/>
+            <a:ext cx="11049000" cy="1219200"/>
+          </a:xfrm>
+        </p:spPr>
+        <p:txBody>
+          <a:bodyPr>
+            <a:normAutofit/>
+          </a:bodyPr>
+          <a:lstStyle/>
+          <a:p>
+            <a:r>
+              <a:rPr lang="en-US" sz="3200" dirty="0"/>
+              <a:t>Lowest 10 rated titles based on </a:t>
+            </a:r>
+            <a:r>
+              <a:rPr lang="en-US" sz="3200" dirty="0" err="1"/>
+              <a:t>imdb</a:t>
+            </a:r>
+            <a:r>
+              <a:rPr lang="en-US" sz="3200" dirty="0"/>
+              <a:t> rating</a:t>
+            </a:r>
+          </a:p>
+        </p:txBody>
+      </p:sp>
+    </p:spTree>
+    <p:extLst>
+      <p:ext uri="{BB962C8B-B14F-4D97-AF65-F5344CB8AC3E}">
+        <p14:creationId xmlns:p14="http://schemas.microsoft.com/office/powerpoint/2010/main" val="435294588"/>
+      </p:ext>
+    </p:extLst>
+  </p:cSld>
+  <p:clrMapOvr>
+    <a:masterClrMapping/>
+  </p:clrMapOvr>
+  <mc:AlternateContent xmlns:mc="http://schemas.openxmlformats.org/markup-compatibility/2006" xmlns:p14="http://schemas.microsoft.com/office/powerpoint/2010/main">
+    <mc:Choice Requires="p14">
+      <p:transition spd="med" p14:dur="700">
+        <p:fade/>
+      </p:transition>
+    </mc:Choice>
+    <mc:Fallback xmlns="">
+      <p:transition spd="med">
+        <p:fade/>
+      </p:transition>
+    </mc:Fallback>
+  </mc:AlternateContent>
+</p:sld>
+</file>
+
+<file path=ppt/slides/slide13.xml><?xml version="1.0" encoding="utf-8"?>
+<p:sld xmlns:a="http://schemas.openxmlformats.org/drawingml/2006/main" xmlns:r="http://schemas.openxmlformats.org/officeDocument/2006/relationships" xmlns:p="http://schemas.openxmlformats.org/presentationml/2006/main">
+  <p:cSld>
+    <p:spTree>
+      <p:nvGrpSpPr>
+        <p:cNvPr id="1" name=""/>
+        <p:cNvGrpSpPr/>
+        <p:nvPr/>
+      </p:nvGrpSpPr>
+      <p:grpSpPr>
+        <a:xfrm>
+          <a:off x="0" y="0"/>
+          <a:ext cx="0" cy="0"/>
+          <a:chOff x="0" y="0"/>
+          <a:chExt cx="0" cy="0"/>
+        </a:xfrm>
+      </p:grpSpPr>
+      <p:pic>
+        <p:nvPicPr>
+          <p:cNvPr id="3" name="Picture 2">
+            <a:extLst>
+              <a:ext uri="{FF2B5EF4-FFF2-40B4-BE49-F238E27FC236}">
+                <a16:creationId xmlns:a16="http://schemas.microsoft.com/office/drawing/2014/main" id="{E227C0AC-5D68-08D8-73AF-0664D72979EE}"/>
+              </a:ext>
+            </a:extLst>
+          </p:cNvPr>
+          <p:cNvPicPr>
+            <a:picLocks noChangeAspect="1" noChangeArrowheads="1"/>
+          </p:cNvPicPr>
+          <p:nvPr/>
+        </p:nvPicPr>
+        <p:blipFill>
+          <a:blip r:embed="rId2">
+            <a:extLst>
+              <a:ext uri="{28A0092B-C50C-407E-A947-70E740481C1C}">
+                <a14:useLocalDpi xmlns:a14="http://schemas.microsoft.com/office/drawing/2010/main" val="0"/>
+              </a:ext>
+            </a:extLst>
+          </a:blip>
+          <a:srcRect/>
+          <a:stretch>
+            <a:fillRect/>
+          </a:stretch>
+        </p:blipFill>
+        <p:spPr bwMode="auto">
+          <a:xfrm>
+            <a:off x="1141412" y="1066800"/>
+            <a:ext cx="9144000" cy="5030033"/>
+          </a:xfrm>
+          <a:prstGeom prst="rect">
+            <a:avLst/>
+          </a:prstGeom>
+          <a:noFill/>
+          <a:extLst>
+            <a:ext uri="{909E8E84-426E-40DD-AFC4-6F175D3DCCD1}">
+              <a14:hiddenFill xmlns:a14="http://schemas.microsoft.com/office/drawing/2010/main">
+                <a:solidFill>
+                  <a:srgbClr val="FFFFFF"/>
+                </a:solidFill>
+              </a14:hiddenFill>
+            </a:ext>
+          </a:extLst>
+        </p:spPr>
+      </p:pic>
+      <p:sp>
+        <p:nvSpPr>
+          <p:cNvPr id="4" name="Title 1">
+            <a:extLst>
+              <a:ext uri="{FF2B5EF4-FFF2-40B4-BE49-F238E27FC236}">
+                <a16:creationId xmlns:a16="http://schemas.microsoft.com/office/drawing/2014/main" id="{737FAB18-5297-8172-3178-F14B7B34651E}"/>
               </a:ext>
             </a:extLst>
           </p:cNvPr>
@@ -6903,7 +7245,193 @@
         </p:nvSpPr>
         <p:spPr>
           <a:xfrm>
-            <a:off x="303212" y="266701"/>
+            <a:off x="569912" y="304800"/>
+            <a:ext cx="11049000" cy="1219200"/>
+          </a:xfrm>
+          <a:prstGeom prst="rect">
+            <a:avLst/>
+          </a:prstGeom>
+        </p:spPr>
+        <p:txBody>
+          <a:bodyPr>
+            <a:normAutofit/>
+          </a:bodyPr>
+          <a:lstStyle>
+            <a:lvl1pPr algn="l" defTabSz="1218987" rtl="0" eaLnBrk="1" latinLnBrk="0" hangingPunct="1">
+              <a:lnSpc>
+                <a:spcPct val="80000"/>
+              </a:lnSpc>
+              <a:spcBef>
+                <a:spcPct val="0"/>
+              </a:spcBef>
+              <a:buNone/>
+              <a:defRPr sz="3600" kern="1200" cap="all" baseline="0">
+                <a:solidFill>
+                  <a:schemeClr val="tx1"/>
+                </a:solidFill>
+                <a:effectLst/>
+                <a:latin typeface="+mj-lt"/>
+                <a:ea typeface="+mj-ea"/>
+                <a:cs typeface="+mj-cs"/>
+              </a:defRPr>
+            </a:lvl1pPr>
+          </a:lstStyle>
+          <a:p>
+            <a:r>
+              <a:rPr lang="en-US" sz="3200" dirty="0"/>
+              <a:t>The most used words in Netflix titles are love, world and  man.</a:t>
+            </a:r>
+          </a:p>
+        </p:txBody>
+      </p:sp>
+    </p:spTree>
+    <p:extLst>
+      <p:ext uri="{BB962C8B-B14F-4D97-AF65-F5344CB8AC3E}">
+        <p14:creationId xmlns:p14="http://schemas.microsoft.com/office/powerpoint/2010/main" val="1336900524"/>
+      </p:ext>
+    </p:extLst>
+  </p:cSld>
+  <p:clrMapOvr>
+    <a:masterClrMapping/>
+  </p:clrMapOvr>
+  <mc:AlternateContent xmlns:mc="http://schemas.openxmlformats.org/markup-compatibility/2006" xmlns:p14="http://schemas.microsoft.com/office/powerpoint/2010/main">
+    <mc:Choice Requires="p14">
+      <p:transition spd="med" p14:dur="700">
+        <p:fade/>
+      </p:transition>
+    </mc:Choice>
+    <mc:Fallback xmlns="">
+      <p:transition spd="med">
+        <p:fade/>
+      </p:transition>
+    </mc:Fallback>
+  </mc:AlternateContent>
+</p:sld>
+</file>
+
+<file path=ppt/slides/slide14.xml><?xml version="1.0" encoding="utf-8"?>
+<p:sld xmlns:a="http://schemas.openxmlformats.org/drawingml/2006/main" xmlns:r="http://schemas.openxmlformats.org/officeDocument/2006/relationships" xmlns:p="http://schemas.openxmlformats.org/presentationml/2006/main">
+  <p:cSld>
+    <p:spTree>
+      <p:nvGrpSpPr>
+        <p:cNvPr id="1" name=""/>
+        <p:cNvGrpSpPr/>
+        <p:nvPr/>
+      </p:nvGrpSpPr>
+      <p:grpSpPr>
+        <a:xfrm>
+          <a:off x="0" y="0"/>
+          <a:ext cx="0" cy="0"/>
+          <a:chOff x="0" y="0"/>
+          <a:chExt cx="0" cy="0"/>
+        </a:xfrm>
+      </p:grpSpPr>
+      <p:pic>
+        <p:nvPicPr>
+          <p:cNvPr id="3076" name="Picture 4" descr="25 Questions to Ask During an Interview at a Marketing Agency">
+            <a:extLst>
+              <a:ext uri="{FF2B5EF4-FFF2-40B4-BE49-F238E27FC236}">
+                <a16:creationId xmlns:a16="http://schemas.microsoft.com/office/drawing/2014/main" id="{BB73C0C6-5F48-7118-0CDD-A6A50BA0F108}"/>
+              </a:ext>
+            </a:extLst>
+          </p:cNvPr>
+          <p:cNvPicPr>
+            <a:picLocks noChangeAspect="1" noChangeArrowheads="1"/>
+          </p:cNvPicPr>
+          <p:nvPr/>
+        </p:nvPicPr>
+        <p:blipFill>
+          <a:blip r:embed="rId2">
+            <a:extLst>
+              <a:ext uri="{28A0092B-C50C-407E-A947-70E740481C1C}">
+                <a14:useLocalDpi xmlns:a14="http://schemas.microsoft.com/office/drawing/2010/main" val="0"/>
+              </a:ext>
+            </a:extLst>
+          </a:blip>
+          <a:srcRect/>
+          <a:stretch>
+            <a:fillRect/>
+          </a:stretch>
+        </p:blipFill>
+        <p:spPr bwMode="auto">
+          <a:xfrm>
+            <a:off x="3717925" y="938213"/>
+            <a:ext cx="4752975" cy="4981575"/>
+          </a:xfrm>
+          <a:prstGeom prst="rect">
+            <a:avLst/>
+          </a:prstGeom>
+          <a:noFill/>
+          <a:extLst>
+            <a:ext uri="{909E8E84-426E-40DD-AFC4-6F175D3DCCD1}">
+              <a14:hiddenFill xmlns:a14="http://schemas.microsoft.com/office/drawing/2010/main">
+                <a:solidFill>
+                  <a:srgbClr val="FFFFFF"/>
+                </a:solidFill>
+              </a14:hiddenFill>
+            </a:ext>
+          </a:extLst>
+        </p:spPr>
+      </p:pic>
+    </p:spTree>
+    <p:extLst>
+      <p:ext uri="{BB962C8B-B14F-4D97-AF65-F5344CB8AC3E}">
+        <p14:creationId xmlns:p14="http://schemas.microsoft.com/office/powerpoint/2010/main" val="465654178"/>
+      </p:ext>
+    </p:extLst>
+  </p:cSld>
+  <p:clrMapOvr>
+    <a:masterClrMapping/>
+  </p:clrMapOvr>
+  <mc:AlternateContent xmlns:mc="http://schemas.openxmlformats.org/markup-compatibility/2006" xmlns:p14="http://schemas.microsoft.com/office/powerpoint/2010/main">
+    <mc:Choice Requires="p14">
+      <p:transition spd="med" p14:dur="700">
+        <p:fade/>
+      </p:transition>
+    </mc:Choice>
+    <mc:Fallback xmlns="">
+      <p:transition spd="med">
+        <p:fade/>
+      </p:transition>
+    </mc:Fallback>
+  </mc:AlternateContent>
+</p:sld>
+</file>
+
+<file path=ppt/slides/slide15.xml><?xml version="1.0" encoding="utf-8"?>
+<p:sld xmlns:a="http://schemas.openxmlformats.org/drawingml/2006/main" xmlns:r="http://schemas.openxmlformats.org/officeDocument/2006/relationships" xmlns:p="http://schemas.openxmlformats.org/presentationml/2006/main">
+  <p:cSld>
+    <p:spTree>
+      <p:nvGrpSpPr>
+        <p:cNvPr id="1" name=""/>
+        <p:cNvGrpSpPr/>
+        <p:nvPr/>
+      </p:nvGrpSpPr>
+      <p:grpSpPr>
+        <a:xfrm>
+          <a:off x="0" y="0"/>
+          <a:ext cx="0" cy="0"/>
+          <a:chOff x="0" y="0"/>
+          <a:chExt cx="0" cy="0"/>
+        </a:xfrm>
+      </p:grpSpPr>
+      <p:sp>
+        <p:nvSpPr>
+          <p:cNvPr id="2" name="Title 1">
+            <a:extLst>
+              <a:ext uri="{FF2B5EF4-FFF2-40B4-BE49-F238E27FC236}">
+                <a16:creationId xmlns:a16="http://schemas.microsoft.com/office/drawing/2014/main" id="{9712E6A6-7F63-6891-BB0E-3DD7523E1DE8}"/>
+              </a:ext>
+            </a:extLst>
+          </p:cNvPr>
+          <p:cNvSpPr txBox="1">
+            <a:spLocks/>
+          </p:cNvSpPr>
+          <p:nvPr/>
+        </p:nvSpPr>
+        <p:spPr>
+          <a:xfrm>
+            <a:off x="684212" y="3124200"/>
             <a:ext cx="10360501" cy="1219200"/>
           </a:xfrm>
           <a:prstGeom prst="rect">
@@ -6943,57 +7471,10 @@
           </a:p>
         </p:txBody>
       </p:sp>
-      <p:pic>
-        <p:nvPicPr>
-          <p:cNvPr id="3" name="Picture 2">
-            <a:extLst>
-              <a:ext uri="{FF2B5EF4-FFF2-40B4-BE49-F238E27FC236}">
-                <a16:creationId xmlns:a16="http://schemas.microsoft.com/office/drawing/2014/main" id="{E227C0AC-5D68-08D8-73AF-0664D72979EE}"/>
-              </a:ext>
-            </a:extLst>
-          </p:cNvPr>
-          <p:cNvPicPr>
-            <a:picLocks noChangeAspect="1" noChangeArrowheads="1"/>
-          </p:cNvPicPr>
-          <p:nvPr/>
-        </p:nvPicPr>
-        <p:blipFill>
-          <a:blip r:embed="rId2">
-            <a:extLst>
-              <a:ext uri="{28A0092B-C50C-407E-A947-70E740481C1C}">
-                <a14:useLocalDpi xmlns:a14="http://schemas.microsoft.com/office/drawing/2010/main" val="0"/>
-              </a:ext>
-            </a:extLst>
-          </a:blip>
-          <a:srcRect/>
-          <a:stretch>
-            <a:fillRect/>
-          </a:stretch>
-        </p:blipFill>
-        <p:spPr bwMode="auto">
-          <a:xfrm>
-            <a:off x="1549417" y="1371600"/>
-            <a:ext cx="8380610" cy="4610099"/>
-          </a:xfrm>
-          <a:prstGeom prst="rect">
-            <a:avLst/>
-          </a:prstGeom>
-          <a:noFill/>
-          <a:extLst>
-            <a:ext uri="{909E8E84-426E-40DD-AFC4-6F175D3DCCD1}">
-              <a14:hiddenFill xmlns:a14="http://schemas.microsoft.com/office/drawing/2010/main">
-                <a:solidFill>
-                  <a:srgbClr val="FFFFFF"/>
-                </a:solidFill>
-              </a14:hiddenFill>
-            </a:ext>
-          </a:extLst>
-        </p:spPr>
-      </p:pic>
     </p:spTree>
     <p:extLst>
       <p:ext uri="{BB962C8B-B14F-4D97-AF65-F5344CB8AC3E}">
-        <p14:creationId xmlns:p14="http://schemas.microsoft.com/office/powerpoint/2010/main" val="1336900524"/>
+        <p14:creationId xmlns:p14="http://schemas.microsoft.com/office/powerpoint/2010/main" val="3791158847"/>
       </p:ext>
     </p:extLst>
   </p:cSld>
@@ -7037,7 +7518,7 @@
           <p:cNvPr id="2" name="Title 1">
             <a:extLst>
               <a:ext uri="{FF2B5EF4-FFF2-40B4-BE49-F238E27FC236}">
-                <a16:creationId xmlns:a16="http://schemas.microsoft.com/office/drawing/2014/main" id="{F7EB6AEF-E668-520A-992B-6C95497D303C}"/>
+                <a16:creationId xmlns:a16="http://schemas.microsoft.com/office/drawing/2014/main" id="{5BC31F06-FEFB-4E98-0449-0293F9E2124D}"/>
               </a:ext>
             </a:extLst>
           </p:cNvPr>
@@ -7050,7 +7531,7 @@
         </p:nvSpPr>
         <p:spPr>
           <a:xfrm>
-            <a:off x="608012" y="228600"/>
+            <a:off x="932549" y="76200"/>
             <a:ext cx="10360501" cy="1219200"/>
           </a:xfrm>
         </p:spPr>
@@ -7058,9 +7539,10 @@
           <a:bodyPr/>
           <a:lstStyle/>
           <a:p>
+            <a:pPr algn="ctr"/>
             <a:r>
               <a:rPr lang="en-US" dirty="0"/>
-              <a:t>summary</a:t>
+              <a:t>agenda</a:t>
             </a:r>
           </a:p>
         </p:txBody>
@@ -7070,7 +7552,7 @@
           <p:cNvPr id="3" name="Content Placeholder 2">
             <a:extLst>
               <a:ext uri="{FF2B5EF4-FFF2-40B4-BE49-F238E27FC236}">
-                <a16:creationId xmlns:a16="http://schemas.microsoft.com/office/drawing/2014/main" id="{182DA451-B954-F00D-D20F-272E5241EC29}"/>
+                <a16:creationId xmlns:a16="http://schemas.microsoft.com/office/drawing/2014/main" id="{CB76FB1A-FD9E-95B6-25D3-E966540A8053}"/>
               </a:ext>
             </a:extLst>
           </p:cNvPr>
@@ -7086,9 +7568,53 @@
           <a:bodyPr/>
           <a:lstStyle/>
           <a:p>
+            <a:pPr>
+              <a:buFont typeface="Wingdings" panose="05000000000000000000" pitchFamily="2" charset="2"/>
+              <a:buChar char="Ø"/>
+            </a:pPr>
             <a:r>
               <a:rPr lang="en-US" dirty="0"/>
-              <a:t>One of the problems for our dataset is limited data for the year 2020.</a:t>
+              <a:t>Introduction </a:t>
+            </a:r>
+          </a:p>
+          <a:p>
+            <a:pPr>
+              <a:buFont typeface="Wingdings" panose="05000000000000000000" pitchFamily="2" charset="2"/>
+              <a:buChar char="Ø"/>
+            </a:pPr>
+            <a:r>
+              <a:rPr lang="en-US" dirty="0"/>
+              <a:t>Objective and description</a:t>
+            </a:r>
+          </a:p>
+          <a:p>
+            <a:pPr>
+              <a:buFont typeface="Wingdings" panose="05000000000000000000" pitchFamily="2" charset="2"/>
+              <a:buChar char="Ø"/>
+            </a:pPr>
+            <a:r>
+              <a:rPr lang="en-US" dirty="0"/>
+              <a:t>Data cleaning and exploration</a:t>
+            </a:r>
+          </a:p>
+          <a:p>
+            <a:pPr>
+              <a:buFont typeface="Wingdings" panose="05000000000000000000" pitchFamily="2" charset="2"/>
+              <a:buChar char="Ø"/>
+            </a:pPr>
+            <a:r>
+              <a:rPr lang="en-US" dirty="0"/>
+              <a:t>Detailed slide presentation</a:t>
+            </a:r>
+          </a:p>
+          <a:p>
+            <a:pPr>
+              <a:buFont typeface="Wingdings" panose="05000000000000000000" pitchFamily="2" charset="2"/>
+              <a:buChar char="Ø"/>
+            </a:pPr>
+            <a:r>
+              <a:rPr lang="en-US" dirty="0"/>
+              <a:t>Questions </a:t>
             </a:r>
           </a:p>
         </p:txBody>
@@ -7096,7 +7622,7 @@
     </p:spTree>
     <p:extLst>
       <p:ext uri="{BB962C8B-B14F-4D97-AF65-F5344CB8AC3E}">
-        <p14:creationId xmlns:p14="http://schemas.microsoft.com/office/powerpoint/2010/main" val="3714490249"/>
+        <p14:creationId xmlns:p14="http://schemas.microsoft.com/office/powerpoint/2010/main" val="2634793049"/>
       </p:ext>
     </p:extLst>
   </p:cSld>
@@ -7137,7 +7663,13 @@
       </p:grpSpPr>
       <p:sp>
         <p:nvSpPr>
-          <p:cNvPr id="13" name="Title 12"/>
+          <p:cNvPr id="2" name="Title 1">
+            <a:extLst>
+              <a:ext uri="{FF2B5EF4-FFF2-40B4-BE49-F238E27FC236}">
+                <a16:creationId xmlns:a16="http://schemas.microsoft.com/office/drawing/2014/main" id="{F7EB6AEF-E668-520A-992B-6C95497D303C}"/>
+              </a:ext>
+            </a:extLst>
+          </p:cNvPr>
           <p:cNvSpPr>
             <a:spLocks noGrp="1"/>
           </p:cNvSpPr>
@@ -7147,24 +7679,33 @@
         </p:nvSpPr>
         <p:spPr>
           <a:xfrm>
-            <a:off x="379412" y="13317"/>
-            <a:ext cx="10360501" cy="1219200"/>
+            <a:off x="610863" y="137999"/>
+            <a:ext cx="10360501" cy="457200"/>
           </a:xfrm>
         </p:spPr>
         <p:txBody>
-          <a:bodyPr/>
+          <a:bodyPr>
+            <a:normAutofit fontScale="90000"/>
+          </a:bodyPr>
           <a:lstStyle/>
           <a:p>
+            <a:pPr algn="ctr"/>
             <a:r>
               <a:rPr lang="en-US" dirty="0"/>
-              <a:t>objective and description of the project</a:t>
+              <a:t>Introduction</a:t>
             </a:r>
           </a:p>
         </p:txBody>
       </p:sp>
       <p:sp>
         <p:nvSpPr>
-          <p:cNvPr id="14" name="Content Placeholder 13"/>
+          <p:cNvPr id="3" name="Content Placeholder 2">
+            <a:extLst>
+              <a:ext uri="{FF2B5EF4-FFF2-40B4-BE49-F238E27FC236}">
+                <a16:creationId xmlns:a16="http://schemas.microsoft.com/office/drawing/2014/main" id="{182DA451-B954-F00D-D20F-272E5241EC29}"/>
+              </a:ext>
+            </a:extLst>
+          </p:cNvPr>
           <p:cNvSpPr>
             <a:spLocks noGrp="1"/>
           </p:cNvSpPr>
@@ -7174,103 +7715,141 @@
         </p:nvSpPr>
         <p:spPr>
           <a:xfrm>
-            <a:off x="303212" y="1676400"/>
-            <a:ext cx="10360501" cy="4470400"/>
+            <a:off x="618892" y="914400"/>
+            <a:ext cx="10360501" cy="2271549"/>
           </a:xfrm>
         </p:spPr>
         <p:txBody>
           <a:bodyPr>
-            <a:normAutofit fontScale="92500" lnSpcReduction="10000"/>
+            <a:normAutofit/>
           </a:bodyPr>
           <a:lstStyle/>
           <a:p>
-            <a:r>
-              <a:rPr lang="en-US" b="1" dirty="0"/>
-              <a:t>Objective – </a:t>
-            </a:r>
-            <a:r>
-              <a:rPr lang="en-US" dirty="0"/>
-              <a:t>Generate insights on Netflix content.</a:t>
-            </a:r>
-          </a:p>
-          <a:p>
-            <a:r>
-              <a:rPr lang="en-US" b="1" dirty="0"/>
-              <a:t>How – </a:t>
-            </a:r>
-            <a:r>
-              <a:rPr lang="en-US" dirty="0"/>
-              <a:t>By processing the dataset which is sourced from Kaggle.com and using various data exploration techniques.</a:t>
-            </a:r>
-          </a:p>
-          <a:p>
-            <a:r>
-              <a:rPr lang="en-US" b="1" dirty="0"/>
-              <a:t>Project tasks- </a:t>
-            </a:r>
-          </a:p>
-          <a:p>
-            <a:pPr lvl="1"/>
-            <a:r>
-              <a:rPr lang="en-US" dirty="0"/>
-              <a:t>Project Proposal – Link</a:t>
-            </a:r>
-          </a:p>
-          <a:p>
-            <a:pPr lvl="1"/>
-            <a:r>
-              <a:rPr lang="en-US" dirty="0"/>
-              <a:t>Data source- </a:t>
-            </a:r>
-            <a:r>
-              <a:rPr lang="en-US" dirty="0">
-                <a:hlinkClick r:id="rId2"/>
-              </a:rPr>
-              <a:t>Kaggle.com</a:t>
-            </a:r>
-            <a:endParaRPr lang="en-US" dirty="0"/>
-          </a:p>
-          <a:p>
-            <a:pPr lvl="1"/>
-            <a:r>
-              <a:rPr lang="en-US" dirty="0"/>
-              <a:t>Data cleaning and Exploration -</a:t>
-            </a:r>
-          </a:p>
-          <a:p>
-            <a:pPr lvl="1"/>
-            <a:r>
-              <a:rPr lang="en-US" dirty="0"/>
-              <a:t>Data Visualization</a:t>
-            </a:r>
-          </a:p>
-          <a:p>
-            <a:pPr lvl="1"/>
-            <a:r>
-              <a:rPr lang="en-US" dirty="0"/>
-              <a:t>Data insights</a:t>
-            </a:r>
-          </a:p>
-          <a:p>
-            <a:pPr lvl="1"/>
-            <a:r>
-              <a:rPr lang="en-US" dirty="0"/>
-              <a:t>GitHub Management</a:t>
-            </a:r>
-          </a:p>
-          <a:p>
-            <a:pPr lvl="1"/>
-            <a:r>
-              <a:rPr lang="en-US" dirty="0"/>
-              <a:t>Conclusion</a:t>
-            </a:r>
+            <a:pPr>
+              <a:buFont typeface="Wingdings" panose="05000000000000000000" pitchFamily="2" charset="2"/>
+              <a:buChar char="Ø"/>
+            </a:pPr>
+            <a:r>
+              <a:rPr lang="en-US" sz="2400" dirty="0"/>
+              <a:t>As of 2022, Netflix has 220.67 million subscribers and is available in 190 countries. </a:t>
+            </a:r>
+          </a:p>
+          <a:p>
+            <a:pPr>
+              <a:buFont typeface="Wingdings" panose="05000000000000000000" pitchFamily="2" charset="2"/>
+              <a:buChar char="Ø"/>
+            </a:pPr>
+            <a:r>
+              <a:rPr lang="en-US" sz="2400" dirty="0"/>
+              <a:t>Netflix started with only 1000 titles and by 2016 there were 2400 titles originally produced.</a:t>
+            </a:r>
+          </a:p>
+          <a:p>
+            <a:pPr>
+              <a:buFont typeface="Wingdings" panose="05000000000000000000" pitchFamily="2" charset="2"/>
+              <a:buChar char="Ø"/>
+            </a:pPr>
+            <a:r>
+              <a:rPr lang="en-US" sz="2400" dirty="0"/>
+              <a:t>About 12.6% of the world’s bandwidth is consumed by Netflix</a:t>
+            </a:r>
+          </a:p>
+          <a:p>
+            <a:pPr>
+              <a:buFont typeface="Wingdings" panose="05000000000000000000" pitchFamily="2" charset="2"/>
+              <a:buChar char="Ø"/>
+            </a:pPr>
+            <a:endParaRPr lang="en-US" sz="2400" dirty="0"/>
           </a:p>
         </p:txBody>
       </p:sp>
+      <p:pic>
+        <p:nvPicPr>
+          <p:cNvPr id="4" name="Picture 2">
+            <a:extLst>
+              <a:ext uri="{FF2B5EF4-FFF2-40B4-BE49-F238E27FC236}">
+                <a16:creationId xmlns:a16="http://schemas.microsoft.com/office/drawing/2014/main" id="{6989DF7B-7997-B775-3FDE-FE2BBA766013}"/>
+              </a:ext>
+            </a:extLst>
+          </p:cNvPr>
+          <p:cNvPicPr>
+            <a:picLocks noChangeAspect="1" noChangeArrowheads="1"/>
+          </p:cNvPicPr>
+          <p:nvPr/>
+        </p:nvPicPr>
+        <p:blipFill>
+          <a:blip r:embed="rId2">
+            <a:extLst>
+              <a:ext uri="{28A0092B-C50C-407E-A947-70E740481C1C}">
+                <a14:useLocalDpi xmlns:a14="http://schemas.microsoft.com/office/drawing/2010/main" val="0"/>
+              </a:ext>
+            </a:extLst>
+          </a:blip>
+          <a:srcRect/>
+          <a:stretch>
+            <a:fillRect/>
+          </a:stretch>
+        </p:blipFill>
+        <p:spPr bwMode="auto">
+          <a:xfrm>
+            <a:off x="455612" y="3810000"/>
+            <a:ext cx="4876800" cy="2743280"/>
+          </a:xfrm>
+          <a:prstGeom prst="rect">
+            <a:avLst/>
+          </a:prstGeom>
+          <a:noFill/>
+          <a:extLst>
+            <a:ext uri="{909E8E84-426E-40DD-AFC4-6F175D3DCCD1}">
+              <a14:hiddenFill xmlns:a14="http://schemas.microsoft.com/office/drawing/2010/main">
+                <a:solidFill>
+                  <a:srgbClr val="FFFFFF"/>
+                </a:solidFill>
+              </a14:hiddenFill>
+            </a:ext>
+          </a:extLst>
+        </p:spPr>
+      </p:pic>
+      <p:pic>
+        <p:nvPicPr>
+          <p:cNvPr id="6" name="Picture 5">
+            <a:extLst>
+              <a:ext uri="{FF2B5EF4-FFF2-40B4-BE49-F238E27FC236}">
+                <a16:creationId xmlns:a16="http://schemas.microsoft.com/office/drawing/2014/main" id="{E7AA4782-BEFF-4EB2-972A-BBCD283F3923}"/>
+              </a:ext>
+            </a:extLst>
+          </p:cNvPr>
+          <p:cNvPicPr>
+            <a:picLocks noChangeAspect="1"/>
+          </p:cNvPicPr>
+          <p:nvPr/>
+        </p:nvPicPr>
+        <p:blipFill>
+          <a:blip r:embed="rId3">
+            <a:extLst>
+              <a:ext uri="{28A0092B-C50C-407E-A947-70E740481C1C}">
+                <a14:useLocalDpi xmlns:a14="http://schemas.microsoft.com/office/drawing/2010/main" val="0"/>
+              </a:ext>
+            </a:extLst>
+          </a:blip>
+          <a:stretch>
+            <a:fillRect/>
+          </a:stretch>
+        </p:blipFill>
+        <p:spPr>
+          <a:xfrm>
+            <a:off x="6551612" y="3800919"/>
+            <a:ext cx="3945471" cy="2752361"/>
+          </a:xfrm>
+          <a:prstGeom prst="rect">
+            <a:avLst/>
+          </a:prstGeom>
+        </p:spPr>
+      </p:pic>
     </p:spTree>
     <p:extLst>
       <p:ext uri="{BB962C8B-B14F-4D97-AF65-F5344CB8AC3E}">
-        <p14:creationId xmlns:p14="http://schemas.microsoft.com/office/powerpoint/2010/main" val="1795219737"/>
+        <p14:creationId xmlns:p14="http://schemas.microsoft.com/office/powerpoint/2010/main" val="3714490249"/>
       </p:ext>
     </p:extLst>
   </p:cSld>
@@ -7311,13 +7890,7 @@
       </p:grpSpPr>
       <p:sp>
         <p:nvSpPr>
-          <p:cNvPr id="2" name="Title 1">
-            <a:extLst>
-              <a:ext uri="{FF2B5EF4-FFF2-40B4-BE49-F238E27FC236}">
-                <a16:creationId xmlns:a16="http://schemas.microsoft.com/office/drawing/2014/main" id="{43FE9E6F-A7B7-F395-6EF3-0032CCF5E5D7}"/>
-              </a:ext>
-            </a:extLst>
-          </p:cNvPr>
+          <p:cNvPr id="13" name="Title 12"/>
           <p:cNvSpPr>
             <a:spLocks noGrp="1"/>
           </p:cNvSpPr>
@@ -7327,7 +7900,7 @@
         </p:nvSpPr>
         <p:spPr>
           <a:xfrm>
-            <a:off x="379412" y="152400"/>
+            <a:off x="379412" y="13317"/>
             <a:ext cx="10360501" cy="1219200"/>
           </a:xfrm>
         </p:spPr>
@@ -7337,20 +7910,14 @@
           <a:p>
             <a:r>
               <a:rPr lang="en-US" dirty="0"/>
-              <a:t>Data Cleaning and exploration</a:t>
+              <a:t>objective and description of the project</a:t>
             </a:r>
           </a:p>
         </p:txBody>
       </p:sp>
       <p:sp>
         <p:nvSpPr>
-          <p:cNvPr id="3" name="Content Placeholder 2">
-            <a:extLst>
-              <a:ext uri="{FF2B5EF4-FFF2-40B4-BE49-F238E27FC236}">
-                <a16:creationId xmlns:a16="http://schemas.microsoft.com/office/drawing/2014/main" id="{68FACDBF-AC5C-92A9-1C03-1D3F67833DC5}"/>
-              </a:ext>
-            </a:extLst>
-          </p:cNvPr>
+          <p:cNvPr id="14" name="Content Placeholder 13"/>
           <p:cNvSpPr>
             <a:spLocks noGrp="1"/>
           </p:cNvSpPr>
@@ -7360,126 +7927,95 @@
         </p:nvSpPr>
         <p:spPr>
           <a:xfrm>
-            <a:off x="531812" y="1701800"/>
-            <a:ext cx="10439400" cy="4241800"/>
+            <a:off x="303212" y="1676400"/>
+            <a:ext cx="10360501" cy="4470400"/>
           </a:xfrm>
         </p:spPr>
         <p:txBody>
           <a:bodyPr>
-            <a:noAutofit/>
+            <a:normAutofit fontScale="92500" lnSpcReduction="10000"/>
           </a:bodyPr>
           <a:lstStyle/>
           <a:p>
             <a:r>
-              <a:rPr lang="en-US" sz="2000" dirty="0"/>
-              <a:t>Data challenges and limitations </a:t>
-            </a:r>
-          </a:p>
-          <a:p>
-            <a:pPr marL="1005840" lvl="2" indent="-457200">
-              <a:buFont typeface="+mj-lt"/>
-              <a:buAutoNum type="arabicPeriod"/>
-            </a:pPr>
+              <a:rPr lang="en-US" b="1" dirty="0"/>
+              <a:t>Objective – </a:t>
+            </a:r>
             <a:r>
               <a:rPr lang="en-US" dirty="0"/>
-              <a:t>Data available is from content added between 2008 and 2020.</a:t>
-            </a:r>
-          </a:p>
-          <a:p>
-            <a:pPr marL="1005840" lvl="2" indent="-457200">
-              <a:buFont typeface="+mj-lt"/>
-              <a:buAutoNum type="arabicPeriod"/>
-            </a:pPr>
+              <a:t>Generate insights on Netflix content.</a:t>
+            </a:r>
+          </a:p>
+          <a:p>
+            <a:r>
+              <a:rPr lang="en-US" b="1" dirty="0"/>
+              <a:t>How – </a:t>
+            </a:r>
             <a:r>
               <a:rPr lang="en-US" dirty="0"/>
-              <a:t>Partial data available for 2020. </a:t>
-            </a:r>
-          </a:p>
-          <a:p>
-            <a:pPr marL="1005840" lvl="2" indent="-457200">
-              <a:buFont typeface="+mj-lt"/>
-              <a:buAutoNum type="arabicPeriod"/>
-            </a:pPr>
+              <a:t>By processing the dataset which is sourced from Kaggle.com and using various data exploration techniques.</a:t>
+            </a:r>
+          </a:p>
+          <a:p>
+            <a:r>
+              <a:rPr lang="en-US" b="1" dirty="0"/>
+              <a:t>Project tasks- </a:t>
+            </a:r>
+          </a:p>
+          <a:p>
+            <a:pPr lvl="1"/>
             <a:r>
               <a:rPr lang="en-US" dirty="0"/>
-              <a:t>Missing data attributes like IMDB ratings. </a:t>
-            </a:r>
-          </a:p>
-          <a:p>
-            <a:r>
-              <a:rPr lang="en-US" sz="2000" dirty="0"/>
-              <a:t>Data cleaning : </a:t>
-            </a:r>
-          </a:p>
-          <a:p>
-            <a:pPr marL="731520" lvl="1" indent="-457200">
-              <a:buFont typeface="+mj-lt"/>
-              <a:buAutoNum type="arabicPeriod"/>
-            </a:pPr>
-            <a:r>
-              <a:rPr lang="en-US" sz="2000" dirty="0"/>
-              <a:t>Reviewed data frame statistics periodically to identify data issues. </a:t>
-            </a:r>
-          </a:p>
-          <a:p>
-            <a:pPr marL="731520" lvl="1" indent="-457200">
-              <a:buFont typeface="+mj-lt"/>
-              <a:buAutoNum type="arabicPeriod"/>
-            </a:pPr>
-            <a:r>
-              <a:rPr lang="en-US" sz="2000" dirty="0"/>
-              <a:t>Column with null values is removed to make data more presentable and readable. </a:t>
-            </a:r>
-          </a:p>
-          <a:p>
-            <a:pPr marL="731520" lvl="1" indent="-457200">
-              <a:buFont typeface="+mj-lt"/>
-              <a:buAutoNum type="arabicPeriod"/>
-            </a:pPr>
-            <a:r>
-              <a:rPr lang="en-US" sz="2000" dirty="0"/>
-              <a:t>Formats have been changed for columns ‘duration’ and ‘date added’.</a:t>
-            </a:r>
-          </a:p>
-          <a:p>
-            <a:pPr marL="731520" lvl="1" indent="-457200">
-              <a:buFont typeface="+mj-lt"/>
-              <a:buAutoNum type="arabicPeriod"/>
-            </a:pPr>
-            <a:r>
-              <a:rPr lang="en-US" sz="2000" dirty="0"/>
-              <a:t>Removed spaces via strip function few columns. </a:t>
-            </a:r>
-          </a:p>
-          <a:p>
-            <a:pPr marL="731520" lvl="1" indent="-457200">
-              <a:buFont typeface="+mj-lt"/>
-              <a:buAutoNum type="arabicPeriod"/>
-            </a:pPr>
-            <a:r>
-              <a:rPr lang="en-US" sz="2000" dirty="0"/>
-              <a:t>Enhanced data by extracting IMDB ratings from OMDB API. Limited by 1000 </a:t>
-            </a:r>
-            <a:r>
-              <a:rPr lang="en-US" sz="2000" dirty="0" err="1"/>
-              <a:t>api</a:t>
-            </a:r>
-            <a:r>
-              <a:rPr lang="en-US" sz="2000" dirty="0"/>
-              <a:t> calls per day</a:t>
-            </a:r>
-          </a:p>
-          <a:p>
-            <a:r>
-              <a:rPr lang="en-US" sz="2000" dirty="0"/>
-              <a:t>Data exploration: </a:t>
+              <a:t>Project Proposal – Link</a:t>
             </a:r>
           </a:p>
           <a:p>
             <a:pPr lvl="1"/>
             <a:r>
-              <a:rPr lang="en-US" sz="2000" dirty="0"/>
-              <a:t>We have used Matplotlib and Seaborn to create pie charts and plots. </a:t>
+              <a:rPr lang="en-US" dirty="0"/>
+              <a:t>Data source- </a:t>
+            </a:r>
+            <a:r>
+              <a:rPr lang="en-US" dirty="0">
+                <a:hlinkClick r:id="rId2"/>
+              </a:rPr>
+              <a:t>Kaggle.com</a:t>
+            </a:r>
+            <a:endParaRPr lang="en-US" dirty="0"/>
+          </a:p>
+          <a:p>
+            <a:pPr lvl="1"/>
+            <a:r>
+              <a:rPr lang="en-US" dirty="0"/>
+              <a:t>Data cleaning and Exploration -</a:t>
+            </a:r>
+          </a:p>
+          <a:p>
+            <a:pPr lvl="1"/>
+            <a:r>
+              <a:rPr lang="en-US" dirty="0"/>
+              <a:t>Data Visualization</a:t>
+            </a:r>
+          </a:p>
+          <a:p>
+            <a:pPr lvl="1"/>
+            <a:r>
+              <a:rPr lang="en-US" dirty="0"/>
+              <a:t>Data insights</a:t>
+            </a:r>
+          </a:p>
+          <a:p>
+            <a:pPr lvl="1"/>
+            <a:r>
+              <a:rPr lang="en-US" dirty="0"/>
+              <a:t>GitHub Management</a:t>
+            </a:r>
+          </a:p>
+          <a:p>
+            <a:pPr lvl="1"/>
+            <a:r>
+              <a:rPr lang="en-US" dirty="0"/>
+              <a:t>Conclusion</a:t>
             </a:r>
           </a:p>
         </p:txBody>
@@ -7487,7 +8023,7 @@
     </p:spTree>
     <p:extLst>
       <p:ext uri="{BB962C8B-B14F-4D97-AF65-F5344CB8AC3E}">
-        <p14:creationId xmlns:p14="http://schemas.microsoft.com/office/powerpoint/2010/main" val="2952205697"/>
+        <p14:creationId xmlns:p14="http://schemas.microsoft.com/office/powerpoint/2010/main" val="1795219737"/>
       </p:ext>
     </p:extLst>
   </p:cSld>
@@ -7531,6 +8067,223 @@
           <p:cNvPr id="2" name="Title 1">
             <a:extLst>
               <a:ext uri="{FF2B5EF4-FFF2-40B4-BE49-F238E27FC236}">
+                <a16:creationId xmlns:a16="http://schemas.microsoft.com/office/drawing/2014/main" id="{43FE9E6F-A7B7-F395-6EF3-0032CCF5E5D7}"/>
+              </a:ext>
+            </a:extLst>
+          </p:cNvPr>
+          <p:cNvSpPr>
+            <a:spLocks noGrp="1"/>
+          </p:cNvSpPr>
+          <p:nvPr>
+            <p:ph type="title"/>
+          </p:nvPr>
+        </p:nvSpPr>
+        <p:spPr>
+          <a:xfrm>
+            <a:off x="546500" y="-4439"/>
+            <a:ext cx="10360501" cy="1219200"/>
+          </a:xfrm>
+        </p:spPr>
+        <p:txBody>
+          <a:bodyPr/>
+          <a:lstStyle/>
+          <a:p>
+            <a:r>
+              <a:rPr lang="en-US" dirty="0"/>
+              <a:t>Data Cleaning and exploration</a:t>
+            </a:r>
+          </a:p>
+        </p:txBody>
+      </p:sp>
+      <p:sp>
+        <p:nvSpPr>
+          <p:cNvPr id="3" name="Content Placeholder 2">
+            <a:extLst>
+              <a:ext uri="{FF2B5EF4-FFF2-40B4-BE49-F238E27FC236}">
+                <a16:creationId xmlns:a16="http://schemas.microsoft.com/office/drawing/2014/main" id="{68FACDBF-AC5C-92A9-1C03-1D3F67833DC5}"/>
+              </a:ext>
+            </a:extLst>
+          </p:cNvPr>
+          <p:cNvSpPr>
+            <a:spLocks noGrp="1"/>
+          </p:cNvSpPr>
+          <p:nvPr>
+            <p:ph idx="1"/>
+          </p:nvPr>
+        </p:nvSpPr>
+        <p:spPr>
+          <a:xfrm>
+            <a:off x="546500" y="1295400"/>
+            <a:ext cx="10972800" cy="4953000"/>
+          </a:xfrm>
+        </p:spPr>
+        <p:txBody>
+          <a:bodyPr>
+            <a:noAutofit/>
+          </a:bodyPr>
+          <a:lstStyle/>
+          <a:p>
+            <a:r>
+              <a:rPr lang="en-US" sz="2000" dirty="0"/>
+              <a:t>Data challenges and limitations </a:t>
+            </a:r>
+          </a:p>
+          <a:p>
+            <a:pPr marL="1005840" lvl="2" indent="-457200">
+              <a:buFont typeface="+mj-lt"/>
+              <a:buAutoNum type="arabicPeriod"/>
+            </a:pPr>
+            <a:r>
+              <a:rPr lang="en-US" dirty="0"/>
+              <a:t>Data available is from content added between 2008 and 2020.</a:t>
+            </a:r>
+          </a:p>
+          <a:p>
+            <a:pPr marL="1005840" lvl="2" indent="-457200">
+              <a:buFont typeface="+mj-lt"/>
+              <a:buAutoNum type="arabicPeriod"/>
+            </a:pPr>
+            <a:r>
+              <a:rPr lang="en-US" dirty="0"/>
+              <a:t>Partial data available for 2020. </a:t>
+            </a:r>
+          </a:p>
+          <a:p>
+            <a:pPr marL="1005840" lvl="2" indent="-457200">
+              <a:buFont typeface="+mj-lt"/>
+              <a:buAutoNum type="arabicPeriod"/>
+            </a:pPr>
+            <a:r>
+              <a:rPr lang="en-US" dirty="0"/>
+              <a:t>Missing data attributes like IMDB ratings. </a:t>
+            </a:r>
+          </a:p>
+          <a:p>
+            <a:r>
+              <a:rPr lang="en-US" sz="2000" dirty="0"/>
+              <a:t>Data cleaning : </a:t>
+            </a:r>
+          </a:p>
+          <a:p>
+            <a:pPr marL="731520" lvl="1" indent="-457200">
+              <a:buFont typeface="+mj-lt"/>
+              <a:buAutoNum type="arabicPeriod"/>
+            </a:pPr>
+            <a:r>
+              <a:rPr lang="en-US" sz="2000" dirty="0"/>
+              <a:t>Reviewed data frame statistics periodically to identify data issues. </a:t>
+            </a:r>
+          </a:p>
+          <a:p>
+            <a:pPr marL="731520" lvl="1" indent="-457200">
+              <a:buFont typeface="+mj-lt"/>
+              <a:buAutoNum type="arabicPeriod"/>
+            </a:pPr>
+            <a:r>
+              <a:rPr lang="en-US" sz="2000" dirty="0"/>
+              <a:t>Column with null values is removed to make data more presentable and readable. </a:t>
+            </a:r>
+          </a:p>
+          <a:p>
+            <a:pPr marL="731520" lvl="1" indent="-457200">
+              <a:buFont typeface="+mj-lt"/>
+              <a:buAutoNum type="arabicPeriod"/>
+            </a:pPr>
+            <a:r>
+              <a:rPr lang="en-US" sz="2000" dirty="0"/>
+              <a:t>Formats have been changed for columns ‘duration’ and ‘date added’.</a:t>
+            </a:r>
+          </a:p>
+          <a:p>
+            <a:pPr marL="731520" lvl="1" indent="-457200">
+              <a:buFont typeface="+mj-lt"/>
+              <a:buAutoNum type="arabicPeriod"/>
+            </a:pPr>
+            <a:r>
+              <a:rPr lang="en-US" sz="2000" dirty="0"/>
+              <a:t>Removed spaces via strip function few columns. </a:t>
+            </a:r>
+          </a:p>
+          <a:p>
+            <a:pPr marL="731520" lvl="1" indent="-457200">
+              <a:buFont typeface="+mj-lt"/>
+              <a:buAutoNum type="arabicPeriod"/>
+            </a:pPr>
+            <a:r>
+              <a:rPr lang="en-US" sz="2000" dirty="0"/>
+              <a:t>Enhanced data by extracting IMDB ratings from OMDB API. Limited by 1,000 </a:t>
+            </a:r>
+            <a:r>
+              <a:rPr lang="en-US" sz="2000" dirty="0" err="1"/>
+              <a:t>api</a:t>
+            </a:r>
+            <a:r>
+              <a:rPr lang="en-US" sz="2000" dirty="0"/>
+              <a:t> calls per day</a:t>
+            </a:r>
+          </a:p>
+          <a:p>
+            <a:r>
+              <a:rPr lang="en-US" sz="2000" dirty="0"/>
+              <a:t>Data exploration: </a:t>
+            </a:r>
+          </a:p>
+          <a:p>
+            <a:pPr lvl="1"/>
+            <a:r>
+              <a:rPr lang="en-US" sz="2000" dirty="0"/>
+              <a:t>We have used Matplotlib and Seaborn to create pie charts and plots. </a:t>
+            </a:r>
+          </a:p>
+        </p:txBody>
+      </p:sp>
+    </p:spTree>
+    <p:extLst>
+      <p:ext uri="{BB962C8B-B14F-4D97-AF65-F5344CB8AC3E}">
+        <p14:creationId xmlns:p14="http://schemas.microsoft.com/office/powerpoint/2010/main" val="2952205697"/>
+      </p:ext>
+    </p:extLst>
+  </p:cSld>
+  <p:clrMapOvr>
+    <a:masterClrMapping/>
+  </p:clrMapOvr>
+  <mc:AlternateContent xmlns:mc="http://schemas.openxmlformats.org/markup-compatibility/2006" xmlns:p14="http://schemas.microsoft.com/office/powerpoint/2010/main">
+    <mc:Choice Requires="p14">
+      <p:transition spd="med" p14:dur="700">
+        <p:fade/>
+      </p:transition>
+    </mc:Choice>
+    <mc:Fallback xmlns="">
+      <p:transition spd="med">
+        <p:fade/>
+      </p:transition>
+    </mc:Fallback>
+  </mc:AlternateContent>
+</p:sld>
+</file>
+
+<file path=ppt/slides/slide6.xml><?xml version="1.0" encoding="utf-8"?>
+<p:sld xmlns:a="http://schemas.openxmlformats.org/drawingml/2006/main" xmlns:r="http://schemas.openxmlformats.org/officeDocument/2006/relationships" xmlns:p="http://schemas.openxmlformats.org/presentationml/2006/main">
+  <p:cSld>
+    <p:spTree>
+      <p:nvGrpSpPr>
+        <p:cNvPr id="1" name=""/>
+        <p:cNvGrpSpPr/>
+        <p:nvPr/>
+      </p:nvGrpSpPr>
+      <p:grpSpPr>
+        <a:xfrm>
+          <a:off x="0" y="0"/>
+          <a:ext cx="0" cy="0"/>
+          <a:chOff x="0" y="0"/>
+          <a:chExt cx="0" cy="0"/>
+        </a:xfrm>
+      </p:grpSpPr>
+      <p:sp>
+        <p:nvSpPr>
+          <p:cNvPr id="2" name="Title 1">
+            <a:extLst>
+              <a:ext uri="{FF2B5EF4-FFF2-40B4-BE49-F238E27FC236}">
                 <a16:creationId xmlns:a16="http://schemas.microsoft.com/office/drawing/2014/main" id="{182F5209-2C49-CD98-9816-6D7499CCE148}"/>
               </a:ext>
             </a:extLst>
@@ -7544,7 +8297,7 @@
         </p:nvSpPr>
         <p:spPr>
           <a:xfrm>
-            <a:off x="265787" y="103168"/>
+            <a:off x="684212" y="-24414"/>
             <a:ext cx="10590450" cy="1524000"/>
           </a:xfrm>
         </p:spPr>
@@ -7589,7 +8342,7 @@
         </p:nvSpPr>
         <p:spPr>
           <a:xfrm>
-            <a:off x="531812" y="5803704"/>
+            <a:off x="989012" y="5791200"/>
             <a:ext cx="8971068" cy="954107"/>
           </a:xfrm>
           <a:prstGeom prst="rect">
@@ -7643,7 +8396,7 @@
         </p:blipFill>
         <p:spPr bwMode="auto">
           <a:xfrm>
-            <a:off x="5561011" y="1865547"/>
+            <a:off x="5332412" y="1722737"/>
             <a:ext cx="4900623" cy="3827556"/>
           </a:xfrm>
           <a:prstGeom prst="rect">
@@ -7690,7 +8443,7 @@
         </p:blipFill>
         <p:spPr bwMode="auto">
           <a:xfrm>
-            <a:off x="836612" y="1865547"/>
+            <a:off x="836612" y="1722737"/>
             <a:ext cx="3808839" cy="3827556"/>
           </a:xfrm>
           <a:prstGeom prst="rect">
@@ -7708,6 +8461,94 @@
           </a:extLst>
         </p:spPr>
       </p:pic>
+      <p:sp>
+        <p:nvSpPr>
+          <p:cNvPr id="3" name="TextBox 2">
+            <a:extLst>
+              <a:ext uri="{FF2B5EF4-FFF2-40B4-BE49-F238E27FC236}">
+                <a16:creationId xmlns:a16="http://schemas.microsoft.com/office/drawing/2014/main" id="{3BC805AC-40F2-A450-39E2-63ACCF583CA2}"/>
+              </a:ext>
+            </a:extLst>
+          </p:cNvPr>
+          <p:cNvSpPr txBox="1"/>
+          <p:nvPr/>
+        </p:nvSpPr>
+        <p:spPr>
+          <a:xfrm>
+            <a:off x="6780212" y="2286000"/>
+            <a:ext cx="609600" cy="244682"/>
+          </a:xfrm>
+          <a:prstGeom prst="rect">
+            <a:avLst/>
+          </a:prstGeom>
+          <a:noFill/>
+        </p:spPr>
+        <p:txBody>
+          <a:bodyPr wrap="square" rtlCol="0">
+            <a:spAutoFit/>
+          </a:bodyPr>
+          <a:lstStyle/>
+          <a:p>
+            <a:pPr>
+              <a:lnSpc>
+                <a:spcPct val="90000"/>
+              </a:lnSpc>
+            </a:pPr>
+            <a:r>
+              <a:rPr lang="en-US" sz="1100" b="1" dirty="0">
+                <a:solidFill>
+                  <a:schemeClr val="bg1"/>
+                </a:solidFill>
+              </a:rPr>
+              <a:t>4265</a:t>
+            </a:r>
+          </a:p>
+        </p:txBody>
+      </p:sp>
+      <p:sp>
+        <p:nvSpPr>
+          <p:cNvPr id="4" name="TextBox 3">
+            <a:extLst>
+              <a:ext uri="{FF2B5EF4-FFF2-40B4-BE49-F238E27FC236}">
+                <a16:creationId xmlns:a16="http://schemas.microsoft.com/office/drawing/2014/main" id="{9FAA6FDF-3A28-5E3A-754B-99E7FB5DD613}"/>
+              </a:ext>
+            </a:extLst>
+          </p:cNvPr>
+          <p:cNvSpPr txBox="1"/>
+          <p:nvPr/>
+        </p:nvSpPr>
+        <p:spPr>
+          <a:xfrm>
+            <a:off x="8837612" y="3886200"/>
+            <a:ext cx="609600" cy="244682"/>
+          </a:xfrm>
+          <a:prstGeom prst="rect">
+            <a:avLst/>
+          </a:prstGeom>
+          <a:noFill/>
+        </p:spPr>
+        <p:txBody>
+          <a:bodyPr wrap="square" rtlCol="0">
+            <a:spAutoFit/>
+          </a:bodyPr>
+          <a:lstStyle/>
+          <a:p>
+            <a:pPr>
+              <a:lnSpc>
+                <a:spcPct val="90000"/>
+              </a:lnSpc>
+            </a:pPr>
+            <a:r>
+              <a:rPr lang="en-US" sz="1100" b="1" dirty="0">
+                <a:solidFill>
+                  <a:schemeClr val="bg1"/>
+                </a:solidFill>
+              </a:rPr>
+              <a:t>1969</a:t>
+            </a:r>
+          </a:p>
+        </p:txBody>
+      </p:sp>
     </p:spTree>
     <p:extLst>
       <p:ext uri="{BB962C8B-B14F-4D97-AF65-F5344CB8AC3E}">
@@ -7733,7 +8574,7 @@
 </p:sld>
 </file>
 
-<file path=ppt/slides/slide6.xml><?xml version="1.0" encoding="utf-8"?>
+<file path=ppt/slides/slide7.xml><?xml version="1.0" encoding="utf-8"?>
 <p:sld xmlns:a="http://schemas.openxmlformats.org/drawingml/2006/main" xmlns:r="http://schemas.openxmlformats.org/officeDocument/2006/relationships" xmlns:p="http://schemas.openxmlformats.org/presentationml/2006/main">
   <p:cSld>
     <p:spTree>
@@ -7768,21 +8609,31 @@
         </p:nvSpPr>
         <p:spPr>
           <a:xfrm>
-            <a:off x="74612" y="228600"/>
-            <a:ext cx="11200051" cy="1219200"/>
+            <a:off x="303212" y="-152400"/>
+            <a:ext cx="11277600" cy="1905000"/>
           </a:xfrm>
         </p:spPr>
         <p:txBody>
-          <a:bodyPr/>
+          <a:bodyPr>
+            <a:normAutofit/>
+          </a:bodyPr>
           <a:lstStyle/>
           <a:p>
             <a:r>
               <a:rPr lang="en-US" dirty="0"/>
-              <a:t>WHAT ARE THE MOST POPULAR GENRE ON NETFLIX</a:t>
+              <a:t> WHAT ARE THE MOST POPULAR GENRE ON NETFLIX</a:t>
             </a:r>
             <a:br>
               <a:rPr lang="en-US" dirty="0"/>
             </a:br>
+            <a:r>
+              <a:rPr lang="en-US" dirty="0"/>
+              <a:t>- </a:t>
+            </a:r>
+            <a:r>
+              <a:rPr lang="en-US" sz="3100" dirty="0"/>
+              <a:t>below are top 10 genre on Netflix; International movies is the topmost genre</a:t>
+            </a:r>
             <a:endParaRPr lang="en-US" dirty="0"/>
           </a:p>
         </p:txBody>
@@ -7863,7 +8714,7 @@
         </p:blipFill>
         <p:spPr bwMode="auto">
           <a:xfrm>
-            <a:off x="5561012" y="2057400"/>
+            <a:off x="5256212" y="2057400"/>
             <a:ext cx="6537739" cy="3429000"/>
           </a:xfrm>
           <a:prstGeom prst="rect">
@@ -7906,7 +8757,7 @@
 </p:sld>
 </file>
 
-<file path=ppt/slides/slide7.xml><?xml version="1.0" encoding="utf-8"?>
+<file path=ppt/slides/slide8.xml><?xml version="1.0" encoding="utf-8"?>
 <p:sld xmlns:a="http://schemas.openxmlformats.org/drawingml/2006/main" xmlns:r="http://schemas.openxmlformats.org/officeDocument/2006/relationships" xmlns:p="http://schemas.openxmlformats.org/presentationml/2006/main">
   <p:cSld>
     <p:spTree>
@@ -7941,50 +8792,42 @@
         </p:nvSpPr>
         <p:spPr>
           <a:xfrm>
-            <a:off x="6346738" y="1189334"/>
-            <a:ext cx="5734376" cy="2650781"/>
+            <a:off x="6521566" y="152400"/>
+            <a:ext cx="5437913" cy="3641381"/>
           </a:xfrm>
         </p:spPr>
         <p:txBody>
           <a:bodyPr>
-            <a:normAutofit fontScale="90000"/>
+            <a:noAutofit/>
           </a:bodyPr>
           <a:lstStyle/>
           <a:p>
             <a:r>
-              <a:rPr lang="en-US" dirty="0"/>
+              <a:rPr lang="en-US" sz="2800" dirty="0"/>
               <a:t>How has Netflix content grown over the years?</a:t>
             </a:r>
             <a:br>
-              <a:rPr lang="en-US" dirty="0"/>
+              <a:rPr lang="en-US" sz="2800" dirty="0"/>
             </a:br>
             <a:br>
-              <a:rPr lang="en-US" dirty="0"/>
+              <a:rPr lang="en-US" sz="2800" dirty="0"/>
             </a:br>
             <a:r>
-              <a:rPr lang="en-US" sz="2700" i="1" dirty="0"/>
-              <a:t>There has been a steady growth of content on Netflix. However % the age increase for tv shows is more than for movies which </a:t>
-            </a:r>
-            <a:r>
-              <a:rPr lang="en-US" sz="2700" i="1" u="sng" dirty="0"/>
+              <a:rPr lang="en-US" sz="2400" i="1" dirty="0"/>
+              <a:t>There has been a steady growth of content on Netflix. However %age increase for tv shows is more than for movies which </a:t>
+            </a:r>
+            <a:r>
+              <a:rPr lang="en-US" sz="2400" i="1" u="sng" dirty="0"/>
               <a:t>could</a:t>
             </a:r>
             <a:r>
-              <a:rPr lang="en-US" sz="2700" i="1" dirty="0"/>
-              <a:t> indicate </a:t>
-            </a:r>
-            <a:r>
-              <a:rPr lang="en-US" sz="2700" i="1" dirty="0" err="1"/>
-              <a:t>netflix’s</a:t>
-            </a:r>
-            <a:r>
-              <a:rPr lang="en-US" sz="2700" i="1" dirty="0"/>
-              <a:t> strategy to keep the audience engaged in longer-running content</a:t>
+              <a:rPr lang="en-US" sz="2400" i="1" dirty="0"/>
+              <a:t> indicate Netflix’s strategy to keep the audience engaged in longer-running content</a:t>
             </a:r>
             <a:br>
-              <a:rPr lang="en-US" dirty="0"/>
+              <a:rPr lang="en-US" sz="2400" dirty="0"/>
             </a:br>
-            <a:endParaRPr lang="en-US" dirty="0"/>
+            <a:endParaRPr lang="en-US" sz="2400" dirty="0"/>
           </a:p>
         </p:txBody>
       </p:sp>
@@ -8132,53 +8975,6 @@
           </a:extLst>
         </p:spPr>
       </p:pic>
-      <p:pic>
-        <p:nvPicPr>
-          <p:cNvPr id="12" name="Picture 2">
-            <a:extLst>
-              <a:ext uri="{FF2B5EF4-FFF2-40B4-BE49-F238E27FC236}">
-                <a16:creationId xmlns:a16="http://schemas.microsoft.com/office/drawing/2014/main" id="{0DBE958C-6382-4DFD-119D-84142AC4FD09}"/>
-              </a:ext>
-            </a:extLst>
-          </p:cNvPr>
-          <p:cNvPicPr>
-            <a:picLocks noChangeAspect="1" noChangeArrowheads="1"/>
-          </p:cNvPicPr>
-          <p:nvPr/>
-        </p:nvPicPr>
-        <p:blipFill>
-          <a:blip r:embed="rId4">
-            <a:extLst>
-              <a:ext uri="{28A0092B-C50C-407E-A947-70E740481C1C}">
-                <a14:useLocalDpi xmlns:a14="http://schemas.microsoft.com/office/drawing/2010/main" val="0"/>
-              </a:ext>
-            </a:extLst>
-          </a:blip>
-          <a:srcRect/>
-          <a:stretch>
-            <a:fillRect/>
-          </a:stretch>
-        </p:blipFill>
-        <p:spPr bwMode="auto">
-          <a:xfrm>
-            <a:off x="5865812" y="4005587"/>
-            <a:ext cx="4481284" cy="2528247"/>
-          </a:xfrm>
-          <a:prstGeom prst="rect">
-            <a:avLst/>
-          </a:prstGeom>
-          <a:noFill/>
-          <a:extLst>
-            <a:ext uri="{909E8E84-426E-40DD-AFC4-6F175D3DCCD1}">
-              <a14:hiddenFill xmlns:a14="http://schemas.microsoft.com/office/drawing/2010/main">
-                <a:solidFill>
-                  <a:srgbClr val="FFFFFF"/>
-                </a:solidFill>
-              </a14:hiddenFill>
-            </a:ext>
-          </a:extLst>
-        </p:spPr>
-      </p:pic>
       <p:cxnSp>
         <p:nvCxnSpPr>
           <p:cNvPr id="6" name="Straight Arrow Connector 5">
@@ -8221,6 +9017,53 @@
           </a:fontRef>
         </p:style>
       </p:cxnSp>
+      <p:pic>
+        <p:nvPicPr>
+          <p:cNvPr id="1026" name="Picture 2">
+            <a:extLst>
+              <a:ext uri="{FF2B5EF4-FFF2-40B4-BE49-F238E27FC236}">
+                <a16:creationId xmlns:a16="http://schemas.microsoft.com/office/drawing/2014/main" id="{CE9FD512-A74E-0776-4FFA-B9E7E2697C73}"/>
+              </a:ext>
+            </a:extLst>
+          </p:cNvPr>
+          <p:cNvPicPr>
+            <a:picLocks noChangeAspect="1" noChangeArrowheads="1"/>
+          </p:cNvPicPr>
+          <p:nvPr/>
+        </p:nvPicPr>
+        <p:blipFill>
+          <a:blip r:embed="rId4">
+            <a:extLst>
+              <a:ext uri="{28A0092B-C50C-407E-A947-70E740481C1C}">
+                <a14:useLocalDpi xmlns:a14="http://schemas.microsoft.com/office/drawing/2010/main" val="0"/>
+              </a:ext>
+            </a:extLst>
+          </a:blip>
+          <a:srcRect/>
+          <a:stretch>
+            <a:fillRect/>
+          </a:stretch>
+        </p:blipFill>
+        <p:spPr bwMode="auto">
+          <a:xfrm>
+            <a:off x="5942012" y="3952944"/>
+            <a:ext cx="4495800" cy="2521596"/>
+          </a:xfrm>
+          <a:prstGeom prst="rect">
+            <a:avLst/>
+          </a:prstGeom>
+          <a:noFill/>
+          <a:extLst>
+            <a:ext uri="{909E8E84-426E-40DD-AFC4-6F175D3DCCD1}">
+              <a14:hiddenFill xmlns:a14="http://schemas.microsoft.com/office/drawing/2010/main">
+                <a:solidFill>
+                  <a:srgbClr val="FFFFFF"/>
+                </a:solidFill>
+              </a14:hiddenFill>
+            </a:ext>
+          </a:extLst>
+        </p:spPr>
+      </p:pic>
       <p:cxnSp>
         <p:nvCxnSpPr>
           <p:cNvPr id="7" name="Straight Arrow Connector 6">
@@ -8288,7 +9131,7 @@
 </p:sld>
 </file>
 
-<file path=ppt/slides/slide8.xml><?xml version="1.0" encoding="utf-8"?>
+<file path=ppt/slides/slide9.xml><?xml version="1.0" encoding="utf-8"?>
 <p:sld xmlns:a="http://schemas.openxmlformats.org/drawingml/2006/main" xmlns:r="http://schemas.openxmlformats.org/officeDocument/2006/relationships" xmlns:p="http://schemas.openxmlformats.org/presentationml/2006/main">
   <p:cSld>
     <p:spTree>
@@ -8449,185 +9292,6 @@
     <p:extLst>
       <p:ext uri="{BB962C8B-B14F-4D97-AF65-F5344CB8AC3E}">
         <p14:creationId xmlns:p14="http://schemas.microsoft.com/office/powerpoint/2010/main" val="749891682"/>
-      </p:ext>
-    </p:extLst>
-  </p:cSld>
-  <p:clrMapOvr>
-    <a:masterClrMapping/>
-  </p:clrMapOvr>
-  <mc:AlternateContent xmlns:mc="http://schemas.openxmlformats.org/markup-compatibility/2006" xmlns:p14="http://schemas.microsoft.com/office/powerpoint/2010/main">
-    <mc:Choice Requires="p14">
-      <p:transition spd="med" p14:dur="700">
-        <p:fade/>
-      </p:transition>
-    </mc:Choice>
-    <mc:Fallback xmlns="">
-      <p:transition spd="med">
-        <p:fade/>
-      </p:transition>
-    </mc:Fallback>
-  </mc:AlternateContent>
-</p:sld>
-</file>
-
-<file path=ppt/slides/slide9.xml><?xml version="1.0" encoding="utf-8"?>
-<p:sld xmlns:a="http://schemas.openxmlformats.org/drawingml/2006/main" xmlns:r="http://schemas.openxmlformats.org/officeDocument/2006/relationships" xmlns:p="http://schemas.openxmlformats.org/presentationml/2006/main">
-  <p:cSld>
-    <p:spTree>
-      <p:nvGrpSpPr>
-        <p:cNvPr id="1" name=""/>
-        <p:cNvGrpSpPr/>
-        <p:nvPr/>
-      </p:nvGrpSpPr>
-      <p:grpSpPr>
-        <a:xfrm>
-          <a:off x="0" y="0"/>
-          <a:ext cx="0" cy="0"/>
-          <a:chOff x="0" y="0"/>
-          <a:chExt cx="0" cy="0"/>
-        </a:xfrm>
-      </p:grpSpPr>
-      <p:sp>
-        <p:nvSpPr>
-          <p:cNvPr id="2" name="Title 1">
-            <a:extLst>
-              <a:ext uri="{FF2B5EF4-FFF2-40B4-BE49-F238E27FC236}">
-                <a16:creationId xmlns:a16="http://schemas.microsoft.com/office/drawing/2014/main" id="{6E50D55E-A341-1C2B-BD95-12B19C0BABD8}"/>
-              </a:ext>
-            </a:extLst>
-          </p:cNvPr>
-          <p:cNvSpPr>
-            <a:spLocks noGrp="1"/>
-          </p:cNvSpPr>
-          <p:nvPr>
-            <p:ph type="title"/>
-          </p:nvPr>
-        </p:nvSpPr>
-        <p:spPr>
-          <a:xfrm>
-            <a:off x="439599" y="424646"/>
-            <a:ext cx="11041654" cy="1632754"/>
-          </a:xfrm>
-        </p:spPr>
-        <p:txBody>
-          <a:bodyPr>
-            <a:normAutofit fontScale="90000"/>
-          </a:bodyPr>
-          <a:lstStyle/>
-          <a:p>
-            <a:r>
-              <a:rPr lang="en-US" dirty="0"/>
-              <a:t>What are the most popular maturity rating on Netflix?</a:t>
-            </a:r>
-            <a:br>
-              <a:rPr lang="en-US" dirty="0"/>
-            </a:br>
-            <a:r>
-              <a:rPr lang="en-US" sz="3100" dirty="0"/>
-              <a:t>Most of the movies available on Netflix are for a mature audience. The maximum number of titles is for Movies with tv ma ratings </a:t>
-            </a:r>
-            <a:endParaRPr lang="en-US" dirty="0"/>
-          </a:p>
-        </p:txBody>
-      </p:sp>
-      <p:pic>
-        <p:nvPicPr>
-          <p:cNvPr id="4" name="Picture 2">
-            <a:extLst>
-              <a:ext uri="{FF2B5EF4-FFF2-40B4-BE49-F238E27FC236}">
-                <a16:creationId xmlns:a16="http://schemas.microsoft.com/office/drawing/2014/main" id="{AAB98DED-0B6F-8DF4-763F-E24F4251F9E9}"/>
-              </a:ext>
-            </a:extLst>
-          </p:cNvPr>
-          <p:cNvPicPr>
-            <a:picLocks noChangeAspect="1" noChangeArrowheads="1"/>
-          </p:cNvPicPr>
-          <p:nvPr/>
-        </p:nvPicPr>
-        <p:blipFill>
-          <a:blip r:embed="rId2">
-            <a:extLst>
-              <a:ext uri="{28A0092B-C50C-407E-A947-70E740481C1C}">
-                <a14:useLocalDpi xmlns:a14="http://schemas.microsoft.com/office/drawing/2010/main" val="0"/>
-              </a:ext>
-            </a:extLst>
-          </a:blip>
-          <a:srcRect/>
-          <a:stretch>
-            <a:fillRect/>
-          </a:stretch>
-        </p:blipFill>
-        <p:spPr bwMode="auto">
-          <a:xfrm>
-            <a:off x="6018212" y="2057400"/>
-            <a:ext cx="5110504" cy="3657600"/>
-          </a:xfrm>
-          <a:prstGeom prst="rect">
-            <a:avLst/>
-          </a:prstGeom>
-          <a:noFill/>
-          <a:extLst>
-            <a:ext uri="{909E8E84-426E-40DD-AFC4-6F175D3DCCD1}">
-              <a14:hiddenFill xmlns:a14="http://schemas.microsoft.com/office/drawing/2010/main">
-                <a:solidFill>
-                  <a:srgbClr val="FFFFFF"/>
-                </a:solidFill>
-              </a14:hiddenFill>
-            </a:ext>
-          </a:extLst>
-        </p:spPr>
-      </p:pic>
-      <p:pic>
-        <p:nvPicPr>
-          <p:cNvPr id="5128" name="Picture 8">
-            <a:extLst>
-              <a:ext uri="{FF2B5EF4-FFF2-40B4-BE49-F238E27FC236}">
-                <a16:creationId xmlns:a16="http://schemas.microsoft.com/office/drawing/2014/main" id="{443FE109-D484-455F-9828-4D8F7AFEEF3B}"/>
-              </a:ext>
-            </a:extLst>
-          </p:cNvPr>
-          <p:cNvPicPr>
-            <a:picLocks noChangeAspect="1" noChangeArrowheads="1"/>
-          </p:cNvPicPr>
-          <p:nvPr/>
-        </p:nvPicPr>
-        <p:blipFill>
-          <a:blip r:embed="rId3">
-            <a:extLst>
-              <a:ext uri="{28A0092B-C50C-407E-A947-70E740481C1C}">
-                <a14:useLocalDpi xmlns:a14="http://schemas.microsoft.com/office/drawing/2010/main" val="0"/>
-              </a:ext>
-            </a:extLst>
-          </a:blip>
-          <a:srcRect/>
-          <a:stretch>
-            <a:fillRect/>
-          </a:stretch>
-        </p:blipFill>
-        <p:spPr bwMode="auto">
-          <a:xfrm>
-            <a:off x="439599" y="1981200"/>
-            <a:ext cx="5035025" cy="3833812"/>
-          </a:xfrm>
-          <a:prstGeom prst="rect">
-            <a:avLst/>
-          </a:prstGeom>
-          <a:noFill/>
-          <a:extLst>
-            <a:ext uri="{909E8E84-426E-40DD-AFC4-6F175D3DCCD1}">
-              <a14:hiddenFill xmlns:a14="http://schemas.microsoft.com/office/drawing/2010/main">
-                <a:solidFill>
-                  <a:srgbClr val="FFFFFF"/>
-                </a:solidFill>
-              </a14:hiddenFill>
-            </a:ext>
-          </a:extLst>
-        </p:spPr>
-      </p:pic>
-    </p:spTree>
-    <p:extLst>
-      <p:ext uri="{BB962C8B-B14F-4D97-AF65-F5344CB8AC3E}">
-        <p14:creationId xmlns:p14="http://schemas.microsoft.com/office/powerpoint/2010/main" val="2876484734"/>
       </p:ext>
     </p:extLst>
   </p:cSld>

--- a/NETFLIX MOVIES AND TV SHOWS ANALYSIS.pptx
+++ b/NETFLIX MOVIES AND TV SHOWS ANALYSIS.pptx
@@ -162,7 +162,7 @@
   <pc:docChgLst>
     <pc:chgData name="gauri gupta" userId="090d1d0cbe7f1774" providerId="LiveId" clId="{F379E7B1-8F2E-43C2-9B7E-B5CB54581918}"/>
     <pc:docChg chg="undo redo custSel addSld delSld modSld sldOrd modMainMaster">
-      <pc:chgData name="gauri gupta" userId="090d1d0cbe7f1774" providerId="LiveId" clId="{F379E7B1-8F2E-43C2-9B7E-B5CB54581918}" dt="2022-12-12T21:23:14.162" v="4880" actId="1076"/>
+      <pc:chgData name="gauri gupta" userId="090d1d0cbe7f1774" providerId="LiveId" clId="{F379E7B1-8F2E-43C2-9B7E-B5CB54581918}" dt="2022-12-12T22:18:19.295" v="4881" actId="1076"/>
       <pc:docMkLst>
         <pc:docMk/>
       </pc:docMkLst>
@@ -234,7 +234,7 @@
         </pc:sldMkLst>
       </pc:sldChg>
       <pc:sldChg chg="addSp delSp modSp mod">
-        <pc:chgData name="gauri gupta" userId="090d1d0cbe7f1774" providerId="LiveId" clId="{F379E7B1-8F2E-43C2-9B7E-B5CB54581918}" dt="2022-12-12T21:01:40.272" v="4364" actId="20577"/>
+        <pc:chgData name="gauri gupta" userId="090d1d0cbe7f1774" providerId="LiveId" clId="{F379E7B1-8F2E-43C2-9B7E-B5CB54581918}" dt="2022-12-12T22:18:19.295" v="4881" actId="1076"/>
         <pc:sldMkLst>
           <pc:docMk/>
           <pc:sldMk cId="1336900524" sldId="278"/>
@@ -256,7 +256,7 @@
           </ac:spMkLst>
         </pc:spChg>
         <pc:picChg chg="add mod">
-          <ac:chgData name="gauri gupta" userId="090d1d0cbe7f1774" providerId="LiveId" clId="{F379E7B1-8F2E-43C2-9B7E-B5CB54581918}" dt="2022-12-12T16:09:10.437" v="3645" actId="1076"/>
+          <ac:chgData name="gauri gupta" userId="090d1d0cbe7f1774" providerId="LiveId" clId="{F379E7B1-8F2E-43C2-9B7E-B5CB54581918}" dt="2022-12-12T22:18:19.295" v="4881" actId="1076"/>
           <ac:picMkLst>
             <pc:docMk/>
             <pc:sldMk cId="1336900524" sldId="278"/>
@@ -7211,7 +7211,7 @@
         </p:blipFill>
         <p:spPr bwMode="auto">
           <a:xfrm>
-            <a:off x="1141412" y="1066800"/>
+            <a:off x="1141412" y="1295400"/>
             <a:ext cx="9144000" cy="5030033"/>
           </a:xfrm>
           <a:prstGeom prst="rect">

--- a/NETFLIX MOVIES AND TV SHOWS ANALYSIS.pptx
+++ b/NETFLIX MOVIES AND TV SHOWS ANALYSIS.pptx
@@ -5,10 +5,10 @@
     <p:sldMasterId id="2147483660" r:id="rId1"/>
   </p:sldMasterIdLst>
   <p:notesMasterIdLst>
-    <p:notesMasterId r:id="rId17"/>
+    <p:notesMasterId r:id="rId19"/>
   </p:notesMasterIdLst>
   <p:handoutMasterIdLst>
-    <p:handoutMasterId r:id="rId18"/>
+    <p:handoutMasterId r:id="rId20"/>
   </p:handoutMasterIdLst>
   <p:sldIdLst>
     <p:sldId id="279" r:id="rId2"/>
@@ -16,16 +16,18 @@
     <p:sldId id="304" r:id="rId4"/>
     <p:sldId id="287" r:id="rId5"/>
     <p:sldId id="303" r:id="rId6"/>
-    <p:sldId id="292" r:id="rId7"/>
-    <p:sldId id="295" r:id="rId8"/>
-    <p:sldId id="296" r:id="rId9"/>
-    <p:sldId id="299" r:id="rId10"/>
-    <p:sldId id="293" r:id="rId11"/>
-    <p:sldId id="302" r:id="rId12"/>
-    <p:sldId id="305" r:id="rId13"/>
-    <p:sldId id="278" r:id="rId14"/>
-    <p:sldId id="308" r:id="rId15"/>
-    <p:sldId id="306" r:id="rId16"/>
+    <p:sldId id="309" r:id="rId7"/>
+    <p:sldId id="292" r:id="rId8"/>
+    <p:sldId id="295" r:id="rId9"/>
+    <p:sldId id="296" r:id="rId10"/>
+    <p:sldId id="299" r:id="rId11"/>
+    <p:sldId id="293" r:id="rId12"/>
+    <p:sldId id="302" r:id="rId13"/>
+    <p:sldId id="305" r:id="rId14"/>
+    <p:sldId id="310" r:id="rId15"/>
+    <p:sldId id="278" r:id="rId16"/>
+    <p:sldId id="308" r:id="rId17"/>
+    <p:sldId id="306" r:id="rId18"/>
   </p:sldIdLst>
   <p:sldSz cx="12188825" cy="6858000"/>
   <p:notesSz cx="6858000" cy="9144000"/>
@@ -162,7 +164,7 @@
   <pc:docChgLst>
     <pc:chgData name="gauri gupta" userId="090d1d0cbe7f1774" providerId="LiveId" clId="{F379E7B1-8F2E-43C2-9B7E-B5CB54581918}"/>
     <pc:docChg chg="undo redo custSel addSld delSld modSld sldOrd modMainMaster">
-      <pc:chgData name="gauri gupta" userId="090d1d0cbe7f1774" providerId="LiveId" clId="{F379E7B1-8F2E-43C2-9B7E-B5CB54581918}" dt="2022-12-12T22:18:19.295" v="4881" actId="1076"/>
+      <pc:chgData name="gauri gupta" userId="090d1d0cbe7f1774" providerId="LiveId" clId="{F379E7B1-8F2E-43C2-9B7E-B5CB54581918}" dt="2022-12-12T23:16:51.437" v="4994" actId="404"/>
       <pc:docMkLst>
         <pc:docMk/>
       </pc:docMkLst>
@@ -265,13 +267,13 @@
         </pc:picChg>
       </pc:sldChg>
       <pc:sldChg chg="addSp delSp modSp mod">
-        <pc:chgData name="gauri gupta" userId="090d1d0cbe7f1774" providerId="LiveId" clId="{F379E7B1-8F2E-43C2-9B7E-B5CB54581918}" dt="2022-12-12T20:56:15.715" v="4079" actId="21"/>
+        <pc:chgData name="gauri gupta" userId="090d1d0cbe7f1774" providerId="LiveId" clId="{F379E7B1-8F2E-43C2-9B7E-B5CB54581918}" dt="2022-12-12T22:57:19.264" v="4983" actId="1076"/>
         <pc:sldMkLst>
           <pc:docMk/>
           <pc:sldMk cId="1082871649" sldId="279"/>
         </pc:sldMkLst>
         <pc:spChg chg="add del mod">
-          <ac:chgData name="gauri gupta" userId="090d1d0cbe7f1774" providerId="LiveId" clId="{F379E7B1-8F2E-43C2-9B7E-B5CB54581918}" dt="2022-12-12T03:33:27.796" v="2525" actId="20577"/>
+          <ac:chgData name="gauri gupta" userId="090d1d0cbe7f1774" providerId="LiveId" clId="{F379E7B1-8F2E-43C2-9B7E-B5CB54581918}" dt="2022-12-12T22:57:19.264" v="4983" actId="1076"/>
           <ac:spMkLst>
             <pc:docMk/>
             <pc:sldMk cId="1082871649" sldId="279"/>
@@ -959,6 +961,60 @@
           </ac:picMkLst>
         </pc:picChg>
       </pc:sldChg>
+      <pc:sldChg chg="modSp new mod ord">
+        <pc:chgData name="gauri gupta" userId="090d1d0cbe7f1774" providerId="LiveId" clId="{F379E7B1-8F2E-43C2-9B7E-B5CB54581918}" dt="2022-12-12T22:53:57.703" v="4929"/>
+        <pc:sldMkLst>
+          <pc:docMk/>
+          <pc:sldMk cId="2368375741" sldId="309"/>
+        </pc:sldMkLst>
+        <pc:spChg chg="mod">
+          <ac:chgData name="gauri gupta" userId="090d1d0cbe7f1774" providerId="LiveId" clId="{F379E7B1-8F2E-43C2-9B7E-B5CB54581918}" dt="2022-12-12T22:53:34.942" v="4916" actId="1076"/>
+          <ac:spMkLst>
+            <pc:docMk/>
+            <pc:sldMk cId="2368375741" sldId="309"/>
+            <ac:spMk id="2" creationId="{9BC12B03-DB7C-8F7B-5B47-52EE5F94B52B}"/>
+          </ac:spMkLst>
+        </pc:spChg>
+        <pc:spChg chg="mod">
+          <ac:chgData name="gauri gupta" userId="090d1d0cbe7f1774" providerId="LiveId" clId="{F379E7B1-8F2E-43C2-9B7E-B5CB54581918}" dt="2022-12-12T22:53:57.703" v="4929"/>
+          <ac:spMkLst>
+            <pc:docMk/>
+            <pc:sldMk cId="2368375741" sldId="309"/>
+            <ac:spMk id="3" creationId="{36AE6FF6-2062-792A-87FC-01D60D1D6EDF}"/>
+          </ac:spMkLst>
+        </pc:spChg>
+      </pc:sldChg>
+      <pc:sldChg chg="addSp delSp modSp new mod">
+        <pc:chgData name="gauri gupta" userId="090d1d0cbe7f1774" providerId="LiveId" clId="{F379E7B1-8F2E-43C2-9B7E-B5CB54581918}" dt="2022-12-12T23:16:51.437" v="4994" actId="404"/>
+        <pc:sldMkLst>
+          <pc:docMk/>
+          <pc:sldMk cId="3836198662" sldId="310"/>
+        </pc:sldMkLst>
+        <pc:spChg chg="mod">
+          <ac:chgData name="gauri gupta" userId="090d1d0cbe7f1774" providerId="LiveId" clId="{F379E7B1-8F2E-43C2-9B7E-B5CB54581918}" dt="2022-12-12T23:16:51.437" v="4994" actId="404"/>
+          <ac:spMkLst>
+            <pc:docMk/>
+            <pc:sldMk cId="3836198662" sldId="310"/>
+            <ac:spMk id="2" creationId="{A9B2C831-CFB6-0870-2B93-8472404505D0}"/>
+          </ac:spMkLst>
+        </pc:spChg>
+        <pc:spChg chg="del">
+          <ac:chgData name="gauri gupta" userId="090d1d0cbe7f1774" providerId="LiveId" clId="{F379E7B1-8F2E-43C2-9B7E-B5CB54581918}" dt="2022-12-12T23:14:36.187" v="4985" actId="478"/>
+          <ac:spMkLst>
+            <pc:docMk/>
+            <pc:sldMk cId="3836198662" sldId="310"/>
+            <ac:spMk id="3" creationId="{63C3F2F8-C44A-4F1D-822D-CB83EB134653}"/>
+          </ac:spMkLst>
+        </pc:spChg>
+        <pc:picChg chg="add mod">
+          <ac:chgData name="gauri gupta" userId="090d1d0cbe7f1774" providerId="LiveId" clId="{F379E7B1-8F2E-43C2-9B7E-B5CB54581918}" dt="2022-12-12T23:16:19.837" v="4990" actId="1076"/>
+          <ac:picMkLst>
+            <pc:docMk/>
+            <pc:sldMk cId="3836198662" sldId="310"/>
+            <ac:picMk id="1026" creationId="{07415E84-9CE0-F440-90A5-795E392D4FBC}"/>
+          </ac:picMkLst>
+        </pc:picChg>
+      </pc:sldChg>
       <pc:sldMasterChg chg="addSp modSp mod modSldLayout">
         <pc:chgData name="gauri gupta" userId="090d1d0cbe7f1774" providerId="LiveId" clId="{F379E7B1-8F2E-43C2-9B7E-B5CB54581918}" dt="2022-12-12T01:08:12.437" v="1054" actId="1076"/>
         <pc:sldMasterMkLst>
@@ -6720,13 +6776,13 @@
         </p:nvSpPr>
         <p:spPr>
           <a:xfrm>
-            <a:off x="608012" y="4343400"/>
+            <a:off x="455612" y="4724400"/>
             <a:ext cx="9751060" cy="1016000"/>
           </a:xfrm>
         </p:spPr>
         <p:txBody>
           <a:bodyPr>
-            <a:normAutofit/>
+            <a:normAutofit fontScale="47500" lnSpcReduction="20000"/>
           </a:bodyPr>
           <a:lstStyle/>
           <a:p>
@@ -6735,7 +6791,30 @@
             </a:pPr>
             <a:r>
               <a:rPr lang="en-US" sz="3200" u="sng" dirty="0"/>
-              <a:t>Group 1</a:t>
+              <a:t>Gauri Gupta</a:t>
+            </a:r>
+          </a:p>
+          <a:p>
+            <a:pPr marL="0" indent="0" algn="l">
+              <a:buNone/>
+            </a:pPr>
+            <a:r>
+              <a:rPr lang="en-US" sz="3200" u="sng" dirty="0"/>
+              <a:t>Tanya </a:t>
+            </a:r>
+            <a:r>
+              <a:rPr lang="en-US" sz="3200" u="sng" dirty="0" err="1"/>
+              <a:t>Qader</a:t>
+            </a:r>
+            <a:endParaRPr lang="en-US" sz="3200" u="sng" dirty="0"/>
+          </a:p>
+          <a:p>
+            <a:pPr marL="0" indent="0" algn="l">
+              <a:buNone/>
+            </a:pPr>
+            <a:r>
+              <a:rPr lang="en-US" sz="3200" u="sng" dirty="0"/>
+              <a:t>Anjali Sagar</a:t>
             </a:r>
           </a:p>
         </p:txBody>
@@ -6766,6 +6845,188 @@
 </file>
 
 <file path=ppt/slides/slide10.xml><?xml version="1.0" encoding="utf-8"?>
+<p:sld xmlns:a="http://schemas.openxmlformats.org/drawingml/2006/main" xmlns:r="http://schemas.openxmlformats.org/officeDocument/2006/relationships" xmlns:p="http://schemas.openxmlformats.org/presentationml/2006/main">
+  <p:cSld>
+    <p:spTree>
+      <p:nvGrpSpPr>
+        <p:cNvPr id="1" name=""/>
+        <p:cNvGrpSpPr/>
+        <p:nvPr/>
+      </p:nvGrpSpPr>
+      <p:grpSpPr>
+        <a:xfrm>
+          <a:off x="0" y="0"/>
+          <a:ext cx="0" cy="0"/>
+          <a:chOff x="0" y="0"/>
+          <a:chExt cx="0" cy="0"/>
+        </a:xfrm>
+      </p:grpSpPr>
+      <p:sp>
+        <p:nvSpPr>
+          <p:cNvPr id="2" name="Title 1">
+            <a:extLst>
+              <a:ext uri="{FF2B5EF4-FFF2-40B4-BE49-F238E27FC236}">
+                <a16:creationId xmlns:a16="http://schemas.microsoft.com/office/drawing/2014/main" id="{0C8F6165-4D42-1622-1489-1A60AEA258B8}"/>
+              </a:ext>
+            </a:extLst>
+          </p:cNvPr>
+          <p:cNvSpPr>
+            <a:spLocks noGrp="1"/>
+          </p:cNvSpPr>
+          <p:nvPr>
+            <p:ph type="title"/>
+          </p:nvPr>
+        </p:nvSpPr>
+        <p:spPr>
+          <a:xfrm>
+            <a:off x="379412" y="174488"/>
+            <a:ext cx="10360501" cy="2089423"/>
+          </a:xfrm>
+        </p:spPr>
+        <p:txBody>
+          <a:bodyPr>
+            <a:normAutofit fontScale="90000"/>
+          </a:bodyPr>
+          <a:lstStyle/>
+          <a:p>
+            <a:r>
+              <a:rPr lang="en-US" dirty="0"/>
+              <a:t>Which country has the highest number of titles on Netflix?</a:t>
+            </a:r>
+            <a:br>
+              <a:rPr lang="en-US" dirty="0"/>
+            </a:br>
+            <a:r>
+              <a:rPr lang="en-US" sz="3100" i="1" dirty="0"/>
+              <a:t>56% of the titles are available in the United States followed by India and UK. </a:t>
+            </a:r>
+            <a:br>
+              <a:rPr lang="en-US" sz="3100" i="1" dirty="0"/>
+            </a:br>
+            <a:endParaRPr lang="en-US" i="1" dirty="0"/>
+          </a:p>
+        </p:txBody>
+      </p:sp>
+      <p:pic>
+        <p:nvPicPr>
+          <p:cNvPr id="11268" name="Picture 4">
+            <a:extLst>
+              <a:ext uri="{FF2B5EF4-FFF2-40B4-BE49-F238E27FC236}">
+                <a16:creationId xmlns:a16="http://schemas.microsoft.com/office/drawing/2014/main" id="{15BE5B4A-8E94-2CB1-6C3B-BCD3FAF4BD5A}"/>
+              </a:ext>
+            </a:extLst>
+          </p:cNvPr>
+          <p:cNvPicPr>
+            <a:picLocks noChangeAspect="1" noChangeArrowheads="1"/>
+          </p:cNvPicPr>
+          <p:nvPr/>
+        </p:nvPicPr>
+        <p:blipFill>
+          <a:blip r:embed="rId2">
+            <a:extLst>
+              <a:ext uri="{28A0092B-C50C-407E-A947-70E740481C1C}">
+                <a14:useLocalDpi xmlns:a14="http://schemas.microsoft.com/office/drawing/2010/main" val="0"/>
+              </a:ext>
+            </a:extLst>
+          </a:blip>
+          <a:srcRect/>
+          <a:stretch>
+            <a:fillRect/>
+          </a:stretch>
+        </p:blipFill>
+        <p:spPr bwMode="auto">
+          <a:xfrm>
+            <a:off x="6873845" y="1962922"/>
+            <a:ext cx="3866067" cy="3917032"/>
+          </a:xfrm>
+          <a:prstGeom prst="rect">
+            <a:avLst/>
+          </a:prstGeom>
+          <a:noFill/>
+          <a:extLst>
+            <a:ext uri="{909E8E84-426E-40DD-AFC4-6F175D3DCCD1}">
+              <a14:hiddenFill xmlns:a14="http://schemas.microsoft.com/office/drawing/2010/main">
+                <a:solidFill>
+                  <a:srgbClr val="FFFFFF"/>
+                </a:solidFill>
+              </a14:hiddenFill>
+            </a:ext>
+          </a:extLst>
+        </p:spPr>
+      </p:pic>
+      <p:pic>
+        <p:nvPicPr>
+          <p:cNvPr id="11270" name="Picture 6">
+            <a:extLst>
+              <a:ext uri="{FF2B5EF4-FFF2-40B4-BE49-F238E27FC236}">
+                <a16:creationId xmlns:a16="http://schemas.microsoft.com/office/drawing/2014/main" id="{152D3F54-48B5-CC03-7645-6873BAA9CA10}"/>
+              </a:ext>
+            </a:extLst>
+          </p:cNvPr>
+          <p:cNvPicPr>
+            <a:picLocks noChangeAspect="1" noChangeArrowheads="1"/>
+          </p:cNvPicPr>
+          <p:nvPr/>
+        </p:nvPicPr>
+        <p:blipFill>
+          <a:blip r:embed="rId3">
+            <a:extLst>
+              <a:ext uri="{28A0092B-C50C-407E-A947-70E740481C1C}">
+                <a14:useLocalDpi xmlns:a14="http://schemas.microsoft.com/office/drawing/2010/main" val="0"/>
+              </a:ext>
+            </a:extLst>
+          </a:blip>
+          <a:srcRect/>
+          <a:stretch>
+            <a:fillRect/>
+          </a:stretch>
+        </p:blipFill>
+        <p:spPr bwMode="auto">
+          <a:xfrm>
+            <a:off x="308924" y="1952036"/>
+            <a:ext cx="6215062" cy="3911150"/>
+          </a:xfrm>
+          <a:prstGeom prst="rect">
+            <a:avLst/>
+          </a:prstGeom>
+          <a:noFill/>
+          <a:extLst>
+            <a:ext uri="{909E8E84-426E-40DD-AFC4-6F175D3DCCD1}">
+              <a14:hiddenFill xmlns:a14="http://schemas.microsoft.com/office/drawing/2010/main">
+                <a:solidFill>
+                  <a:srgbClr val="FFFFFF"/>
+                </a:solidFill>
+              </a14:hiddenFill>
+            </a:ext>
+          </a:extLst>
+        </p:spPr>
+      </p:pic>
+    </p:spTree>
+    <p:extLst>
+      <p:ext uri="{BB962C8B-B14F-4D97-AF65-F5344CB8AC3E}">
+        <p14:creationId xmlns:p14="http://schemas.microsoft.com/office/powerpoint/2010/main" val="749891682"/>
+      </p:ext>
+    </p:extLst>
+  </p:cSld>
+  <p:clrMapOvr>
+    <a:masterClrMapping/>
+  </p:clrMapOvr>
+  <mc:AlternateContent xmlns:mc="http://schemas.openxmlformats.org/markup-compatibility/2006" xmlns:p14="http://schemas.microsoft.com/office/powerpoint/2010/main">
+    <mc:Choice Requires="p14">
+      <p:transition spd="med" p14:dur="700">
+        <p:fade/>
+      </p:transition>
+    </mc:Choice>
+    <mc:Fallback xmlns="">
+      <p:transition spd="med">
+        <p:fade/>
+      </p:transition>
+    </mc:Fallback>
+  </mc:AlternateContent>
+</p:sld>
+</file>
+
+<file path=ppt/slides/slide11.xml><?xml version="1.0" encoding="utf-8"?>
 <p:sld xmlns:a="http://schemas.openxmlformats.org/drawingml/2006/main" xmlns:r="http://schemas.openxmlformats.org/officeDocument/2006/relationships" xmlns:p="http://schemas.openxmlformats.org/presentationml/2006/main">
   <p:cSld>
     <p:spTree>
@@ -6944,7 +7205,7 @@
 </p:sld>
 </file>
 
-<file path=ppt/slides/slide11.xml><?xml version="1.0" encoding="utf-8"?>
+<file path=ppt/slides/slide12.xml><?xml version="1.0" encoding="utf-8"?>
 <p:sld xmlns:a="http://schemas.openxmlformats.org/drawingml/2006/main" xmlns:r="http://schemas.openxmlformats.org/officeDocument/2006/relationships" xmlns:p="http://schemas.openxmlformats.org/presentationml/2006/main">
   <p:cSld>
     <p:spTree>
@@ -7050,7 +7311,7 @@
 </p:sld>
 </file>
 
-<file path=ppt/slides/slide12.xml><?xml version="1.0" encoding="utf-8"?>
+<file path=ppt/slides/slide13.xml><?xml version="1.0" encoding="utf-8"?>
 <p:sld xmlns:a="http://schemas.openxmlformats.org/drawingml/2006/main" xmlns:r="http://schemas.openxmlformats.org/officeDocument/2006/relationships" xmlns:p="http://schemas.openxmlformats.org/presentationml/2006/main">
   <p:cSld>
     <p:spTree>
@@ -7165,7 +7426,131 @@
 </p:sld>
 </file>
 
-<file path=ppt/slides/slide13.xml><?xml version="1.0" encoding="utf-8"?>
+<file path=ppt/slides/slide14.xml><?xml version="1.0" encoding="utf-8"?>
+<p:sld xmlns:a="http://schemas.openxmlformats.org/drawingml/2006/main" xmlns:r="http://schemas.openxmlformats.org/officeDocument/2006/relationships" xmlns:p="http://schemas.openxmlformats.org/presentationml/2006/main">
+  <p:cSld>
+    <p:spTree>
+      <p:nvGrpSpPr>
+        <p:cNvPr id="1" name=""/>
+        <p:cNvGrpSpPr/>
+        <p:nvPr/>
+      </p:nvGrpSpPr>
+      <p:grpSpPr>
+        <a:xfrm>
+          <a:off x="0" y="0"/>
+          <a:ext cx="0" cy="0"/>
+          <a:chOff x="0" y="0"/>
+          <a:chExt cx="0" cy="0"/>
+        </a:xfrm>
+      </p:grpSpPr>
+      <p:sp>
+        <p:nvSpPr>
+          <p:cNvPr id="2" name="Title 1">
+            <a:extLst>
+              <a:ext uri="{FF2B5EF4-FFF2-40B4-BE49-F238E27FC236}">
+                <a16:creationId xmlns:a16="http://schemas.microsoft.com/office/drawing/2014/main" id="{A9B2C831-CFB6-0870-2B93-8472404505D0}"/>
+              </a:ext>
+            </a:extLst>
+          </p:cNvPr>
+          <p:cNvSpPr>
+            <a:spLocks noGrp="1"/>
+          </p:cNvSpPr>
+          <p:nvPr>
+            <p:ph type="title"/>
+          </p:nvPr>
+        </p:nvSpPr>
+        <p:spPr>
+          <a:xfrm>
+            <a:off x="455612" y="482600"/>
+            <a:ext cx="10819051" cy="1219200"/>
+          </a:xfrm>
+        </p:spPr>
+        <p:txBody>
+          <a:bodyPr>
+            <a:normAutofit/>
+          </a:bodyPr>
+          <a:lstStyle/>
+          <a:p>
+            <a:r>
+              <a:rPr lang="en-US" sz="3200" dirty="0"/>
+              <a:t>The average duration for all movies released on Netflix is ~ 99 minutes.</a:t>
+            </a:r>
+          </a:p>
+        </p:txBody>
+      </p:sp>
+      <p:pic>
+        <p:nvPicPr>
+          <p:cNvPr id="1026" name="Picture 2">
+            <a:extLst>
+              <a:ext uri="{FF2B5EF4-FFF2-40B4-BE49-F238E27FC236}">
+                <a16:creationId xmlns:a16="http://schemas.microsoft.com/office/drawing/2014/main" id="{07415E84-9CE0-F440-90A5-795E392D4FBC}"/>
+              </a:ext>
+            </a:extLst>
+          </p:cNvPr>
+          <p:cNvPicPr>
+            <a:picLocks noChangeAspect="1" noChangeArrowheads="1"/>
+          </p:cNvPicPr>
+          <p:nvPr/>
+        </p:nvPicPr>
+        <p:blipFill>
+          <a:blip r:embed="rId2">
+            <a:extLst>
+              <a:ext uri="{28A0092B-C50C-407E-A947-70E740481C1C}">
+                <a14:useLocalDpi xmlns:a14="http://schemas.microsoft.com/office/drawing/2010/main" val="0"/>
+              </a:ext>
+            </a:extLst>
+          </a:blip>
+          <a:srcRect/>
+          <a:stretch>
+            <a:fillRect/>
+          </a:stretch>
+        </p:blipFill>
+        <p:spPr bwMode="auto">
+          <a:xfrm>
+            <a:off x="2970212" y="1972454"/>
+            <a:ext cx="5272088" cy="4425140"/>
+          </a:xfrm>
+          <a:prstGeom prst="rect">
+            <a:avLst/>
+          </a:prstGeom>
+          <a:noFill/>
+          <a:extLst>
+            <a:ext uri="{909E8E84-426E-40DD-AFC4-6F175D3DCCD1}">
+              <a14:hiddenFill xmlns:a14="http://schemas.microsoft.com/office/drawing/2010/main">
+                <a:solidFill>
+                  <a:srgbClr val="FFFFFF"/>
+                </a:solidFill>
+              </a14:hiddenFill>
+            </a:ext>
+          </a:extLst>
+        </p:spPr>
+      </p:pic>
+    </p:spTree>
+    <p:extLst>
+      <p:ext uri="{BB962C8B-B14F-4D97-AF65-F5344CB8AC3E}">
+        <p14:creationId xmlns:p14="http://schemas.microsoft.com/office/powerpoint/2010/main" val="3836198662"/>
+      </p:ext>
+    </p:extLst>
+  </p:cSld>
+  <p:clrMapOvr>
+    <a:masterClrMapping/>
+  </p:clrMapOvr>
+  <mc:AlternateContent xmlns:mc="http://schemas.openxmlformats.org/markup-compatibility/2006" xmlns:p14="http://schemas.microsoft.com/office/powerpoint/2010/main">
+    <mc:Choice Requires="p14">
+      <p:transition spd="med" p14:dur="700">
+        <p:fade/>
+      </p:transition>
+    </mc:Choice>
+    <mc:Fallback xmlns="">
+      <p:transition spd="med">
+        <p:fade/>
+      </p:transition>
+    </mc:Fallback>
+  </mc:AlternateContent>
+</p:sld>
+</file>
+
+<file path=ppt/slides/slide15.xml><?xml version="1.0" encoding="utf-8"?>
 <p:sld xmlns:a="http://schemas.openxmlformats.org/drawingml/2006/main" xmlns:r="http://schemas.openxmlformats.org/officeDocument/2006/relationships" xmlns:p="http://schemas.openxmlformats.org/presentationml/2006/main">
   <p:cSld>
     <p:spTree>
@@ -7309,7 +7694,7 @@
 </p:sld>
 </file>
 
-<file path=ppt/slides/slide14.xml><?xml version="1.0" encoding="utf-8"?>
+<file path=ppt/slides/slide16.xml><?xml version="1.0" encoding="utf-8"?>
 <p:sld xmlns:a="http://schemas.openxmlformats.org/drawingml/2006/main" xmlns:r="http://schemas.openxmlformats.org/officeDocument/2006/relationships" xmlns:p="http://schemas.openxmlformats.org/presentationml/2006/main">
   <p:cSld>
     <p:spTree>
@@ -7398,7 +7783,7 @@
 </p:sld>
 </file>
 
-<file path=ppt/slides/slide15.xml><?xml version="1.0" encoding="utf-8"?>
+<file path=ppt/slides/slide17.xml><?xml version="1.0" encoding="utf-8"?>
 <p:sld xmlns:a="http://schemas.openxmlformats.org/drawingml/2006/main" xmlns:r="http://schemas.openxmlformats.org/officeDocument/2006/relationships" xmlns:p="http://schemas.openxmlformats.org/presentationml/2006/main">
   <p:cSld>
     <p:spTree>
@@ -8284,6 +8669,156 @@
           <p:cNvPr id="2" name="Title 1">
             <a:extLst>
               <a:ext uri="{FF2B5EF4-FFF2-40B4-BE49-F238E27FC236}">
+                <a16:creationId xmlns:a16="http://schemas.microsoft.com/office/drawing/2014/main" id="{9BC12B03-DB7C-8F7B-5B47-52EE5F94B52B}"/>
+              </a:ext>
+            </a:extLst>
+          </p:cNvPr>
+          <p:cNvSpPr>
+            <a:spLocks noGrp="1"/>
+          </p:cNvSpPr>
+          <p:nvPr>
+            <p:ph type="title"/>
+          </p:nvPr>
+        </p:nvSpPr>
+        <p:spPr>
+          <a:xfrm>
+            <a:off x="531812" y="76200"/>
+            <a:ext cx="10360501" cy="1219200"/>
+          </a:xfrm>
+        </p:spPr>
+        <p:txBody>
+          <a:bodyPr/>
+          <a:lstStyle/>
+          <a:p>
+            <a:r>
+              <a:rPr lang="en-US" dirty="0"/>
+              <a:t>questions</a:t>
+            </a:r>
+          </a:p>
+        </p:txBody>
+      </p:sp>
+      <p:sp>
+        <p:nvSpPr>
+          <p:cNvPr id="3" name="Content Placeholder 2">
+            <a:extLst>
+              <a:ext uri="{FF2B5EF4-FFF2-40B4-BE49-F238E27FC236}">
+                <a16:creationId xmlns:a16="http://schemas.microsoft.com/office/drawing/2014/main" id="{36AE6FF6-2062-792A-87FC-01D60D1D6EDF}"/>
+              </a:ext>
+            </a:extLst>
+          </p:cNvPr>
+          <p:cNvSpPr>
+            <a:spLocks noGrp="1"/>
+          </p:cNvSpPr>
+          <p:nvPr>
+            <p:ph idx="1"/>
+          </p:nvPr>
+        </p:nvSpPr>
+        <p:spPr>
+          <a:xfrm>
+            <a:off x="550939" y="1295400"/>
+            <a:ext cx="10360501" cy="4470400"/>
+          </a:xfrm>
+        </p:spPr>
+        <p:txBody>
+          <a:bodyPr>
+            <a:normAutofit fontScale="92500"/>
+          </a:bodyPr>
+          <a:lstStyle/>
+          <a:p>
+            <a:r>
+              <a:rPr lang="en-US" dirty="0"/>
+              <a:t>WHAT TYPE OF CONTENT IS AVAILABLE ON NETFLIX</a:t>
+            </a:r>
+          </a:p>
+          <a:p>
+            <a:r>
+              <a:rPr lang="en-US" dirty="0"/>
+              <a:t>WHAT ARE THE MOST POPULAR GENRE ON NETFLIX</a:t>
+            </a:r>
+          </a:p>
+          <a:p>
+            <a:r>
+              <a:rPr lang="en-US" dirty="0"/>
+              <a:t>HOW HAS NETFLIX CONTENT GROWN OVER THE YEARS?</a:t>
+            </a:r>
+          </a:p>
+          <a:p>
+            <a:r>
+              <a:rPr lang="en-US" dirty="0"/>
+              <a:t>WHICH COUNTRY HAS THE HIGHEST NUMBER OF TITLES ON NETFLIX?</a:t>
+            </a:r>
+          </a:p>
+          <a:p>
+            <a:r>
+              <a:rPr lang="en-US" dirty="0"/>
+              <a:t>WHAT ARE THE MOST POPULAR MATURITY RATING ON NETFLIX?</a:t>
+            </a:r>
+          </a:p>
+          <a:p>
+            <a:r>
+              <a:rPr lang="en-US" dirty="0"/>
+              <a:t>WHAT ARE THE MOST POPULAR MATURITY RATING ON NETFLIX?</a:t>
+            </a:r>
+          </a:p>
+          <a:p>
+            <a:r>
+              <a:rPr lang="en-US" sz="2800" dirty="0"/>
+              <a:t>TOP 10 HIGHEST/LOWEST-RATED TITLES BASED ON IMDB RATING</a:t>
+            </a:r>
+            <a:endParaRPr lang="en-US" dirty="0"/>
+          </a:p>
+          <a:p>
+            <a:endParaRPr lang="en-US" dirty="0"/>
+          </a:p>
+        </p:txBody>
+      </p:sp>
+    </p:spTree>
+    <p:extLst>
+      <p:ext uri="{BB962C8B-B14F-4D97-AF65-F5344CB8AC3E}">
+        <p14:creationId xmlns:p14="http://schemas.microsoft.com/office/powerpoint/2010/main" val="2368375741"/>
+      </p:ext>
+    </p:extLst>
+  </p:cSld>
+  <p:clrMapOvr>
+    <a:masterClrMapping/>
+  </p:clrMapOvr>
+  <mc:AlternateContent xmlns:mc="http://schemas.openxmlformats.org/markup-compatibility/2006" xmlns:p14="http://schemas.microsoft.com/office/powerpoint/2010/main">
+    <mc:Choice Requires="p14">
+      <p:transition spd="med" p14:dur="700">
+        <p:fade/>
+      </p:transition>
+    </mc:Choice>
+    <mc:Fallback xmlns="">
+      <p:transition spd="med">
+        <p:fade/>
+      </p:transition>
+    </mc:Fallback>
+  </mc:AlternateContent>
+</p:sld>
+</file>
+
+<file path=ppt/slides/slide7.xml><?xml version="1.0" encoding="utf-8"?>
+<p:sld xmlns:a="http://schemas.openxmlformats.org/drawingml/2006/main" xmlns:r="http://schemas.openxmlformats.org/officeDocument/2006/relationships" xmlns:p="http://schemas.openxmlformats.org/presentationml/2006/main">
+  <p:cSld>
+    <p:spTree>
+      <p:nvGrpSpPr>
+        <p:cNvPr id="1" name=""/>
+        <p:cNvGrpSpPr/>
+        <p:nvPr/>
+      </p:nvGrpSpPr>
+      <p:grpSpPr>
+        <a:xfrm>
+          <a:off x="0" y="0"/>
+          <a:ext cx="0" cy="0"/>
+          <a:chOff x="0" y="0"/>
+          <a:chExt cx="0" cy="0"/>
+        </a:xfrm>
+      </p:grpSpPr>
+      <p:sp>
+        <p:nvSpPr>
+          <p:cNvPr id="2" name="Title 1">
+            <a:extLst>
+              <a:ext uri="{FF2B5EF4-FFF2-40B4-BE49-F238E27FC236}">
                 <a16:creationId xmlns:a16="http://schemas.microsoft.com/office/drawing/2014/main" id="{182F5209-2C49-CD98-9816-6D7499CCE148}"/>
               </a:ext>
             </a:extLst>
@@ -8574,7 +9109,7 @@
 </p:sld>
 </file>
 
-<file path=ppt/slides/slide7.xml><?xml version="1.0" encoding="utf-8"?>
+<file path=ppt/slides/slide8.xml><?xml version="1.0" encoding="utf-8"?>
 <p:sld xmlns:a="http://schemas.openxmlformats.org/drawingml/2006/main" xmlns:r="http://schemas.openxmlformats.org/officeDocument/2006/relationships" xmlns:p="http://schemas.openxmlformats.org/presentationml/2006/main">
   <p:cSld>
     <p:spTree>
@@ -8757,7 +9292,7 @@
 </p:sld>
 </file>
 
-<file path=ppt/slides/slide8.xml><?xml version="1.0" encoding="utf-8"?>
+<file path=ppt/slides/slide9.xml><?xml version="1.0" encoding="utf-8"?>
 <p:sld xmlns:a="http://schemas.openxmlformats.org/drawingml/2006/main" xmlns:r="http://schemas.openxmlformats.org/officeDocument/2006/relationships" xmlns:p="http://schemas.openxmlformats.org/presentationml/2006/main">
   <p:cSld>
     <p:spTree>
@@ -9110,188 +9645,6 @@
     <p:extLst>
       <p:ext uri="{BB962C8B-B14F-4D97-AF65-F5344CB8AC3E}">
         <p14:creationId xmlns:p14="http://schemas.microsoft.com/office/powerpoint/2010/main" val="478477905"/>
-      </p:ext>
-    </p:extLst>
-  </p:cSld>
-  <p:clrMapOvr>
-    <a:masterClrMapping/>
-  </p:clrMapOvr>
-  <mc:AlternateContent xmlns:mc="http://schemas.openxmlformats.org/markup-compatibility/2006" xmlns:p14="http://schemas.microsoft.com/office/powerpoint/2010/main">
-    <mc:Choice Requires="p14">
-      <p:transition spd="med" p14:dur="700">
-        <p:fade/>
-      </p:transition>
-    </mc:Choice>
-    <mc:Fallback xmlns="">
-      <p:transition spd="med">
-        <p:fade/>
-      </p:transition>
-    </mc:Fallback>
-  </mc:AlternateContent>
-</p:sld>
-</file>
-
-<file path=ppt/slides/slide9.xml><?xml version="1.0" encoding="utf-8"?>
-<p:sld xmlns:a="http://schemas.openxmlformats.org/drawingml/2006/main" xmlns:r="http://schemas.openxmlformats.org/officeDocument/2006/relationships" xmlns:p="http://schemas.openxmlformats.org/presentationml/2006/main">
-  <p:cSld>
-    <p:spTree>
-      <p:nvGrpSpPr>
-        <p:cNvPr id="1" name=""/>
-        <p:cNvGrpSpPr/>
-        <p:nvPr/>
-      </p:nvGrpSpPr>
-      <p:grpSpPr>
-        <a:xfrm>
-          <a:off x="0" y="0"/>
-          <a:ext cx="0" cy="0"/>
-          <a:chOff x="0" y="0"/>
-          <a:chExt cx="0" cy="0"/>
-        </a:xfrm>
-      </p:grpSpPr>
-      <p:sp>
-        <p:nvSpPr>
-          <p:cNvPr id="2" name="Title 1">
-            <a:extLst>
-              <a:ext uri="{FF2B5EF4-FFF2-40B4-BE49-F238E27FC236}">
-                <a16:creationId xmlns:a16="http://schemas.microsoft.com/office/drawing/2014/main" id="{0C8F6165-4D42-1622-1489-1A60AEA258B8}"/>
-              </a:ext>
-            </a:extLst>
-          </p:cNvPr>
-          <p:cNvSpPr>
-            <a:spLocks noGrp="1"/>
-          </p:cNvSpPr>
-          <p:nvPr>
-            <p:ph type="title"/>
-          </p:nvPr>
-        </p:nvSpPr>
-        <p:spPr>
-          <a:xfrm>
-            <a:off x="379412" y="174488"/>
-            <a:ext cx="10360501" cy="2089423"/>
-          </a:xfrm>
-        </p:spPr>
-        <p:txBody>
-          <a:bodyPr>
-            <a:normAutofit fontScale="90000"/>
-          </a:bodyPr>
-          <a:lstStyle/>
-          <a:p>
-            <a:r>
-              <a:rPr lang="en-US" dirty="0"/>
-              <a:t>Which country has the highest number of titles on Netflix?</a:t>
-            </a:r>
-            <a:br>
-              <a:rPr lang="en-US" dirty="0"/>
-            </a:br>
-            <a:r>
-              <a:rPr lang="en-US" sz="3100" i="1" dirty="0"/>
-              <a:t>56% of the titles are available in the United States followed by India and UK. </a:t>
-            </a:r>
-            <a:br>
-              <a:rPr lang="en-US" sz="3100" i="1" dirty="0"/>
-            </a:br>
-            <a:endParaRPr lang="en-US" i="1" dirty="0"/>
-          </a:p>
-        </p:txBody>
-      </p:sp>
-      <p:pic>
-        <p:nvPicPr>
-          <p:cNvPr id="11268" name="Picture 4">
-            <a:extLst>
-              <a:ext uri="{FF2B5EF4-FFF2-40B4-BE49-F238E27FC236}">
-                <a16:creationId xmlns:a16="http://schemas.microsoft.com/office/drawing/2014/main" id="{15BE5B4A-8E94-2CB1-6C3B-BCD3FAF4BD5A}"/>
-              </a:ext>
-            </a:extLst>
-          </p:cNvPr>
-          <p:cNvPicPr>
-            <a:picLocks noChangeAspect="1" noChangeArrowheads="1"/>
-          </p:cNvPicPr>
-          <p:nvPr/>
-        </p:nvPicPr>
-        <p:blipFill>
-          <a:blip r:embed="rId2">
-            <a:extLst>
-              <a:ext uri="{28A0092B-C50C-407E-A947-70E740481C1C}">
-                <a14:useLocalDpi xmlns:a14="http://schemas.microsoft.com/office/drawing/2010/main" val="0"/>
-              </a:ext>
-            </a:extLst>
-          </a:blip>
-          <a:srcRect/>
-          <a:stretch>
-            <a:fillRect/>
-          </a:stretch>
-        </p:blipFill>
-        <p:spPr bwMode="auto">
-          <a:xfrm>
-            <a:off x="6873845" y="1962922"/>
-            <a:ext cx="3866067" cy="3917032"/>
-          </a:xfrm>
-          <a:prstGeom prst="rect">
-            <a:avLst/>
-          </a:prstGeom>
-          <a:noFill/>
-          <a:extLst>
-            <a:ext uri="{909E8E84-426E-40DD-AFC4-6F175D3DCCD1}">
-              <a14:hiddenFill xmlns:a14="http://schemas.microsoft.com/office/drawing/2010/main">
-                <a:solidFill>
-                  <a:srgbClr val="FFFFFF"/>
-                </a:solidFill>
-              </a14:hiddenFill>
-            </a:ext>
-          </a:extLst>
-        </p:spPr>
-      </p:pic>
-      <p:pic>
-        <p:nvPicPr>
-          <p:cNvPr id="11270" name="Picture 6">
-            <a:extLst>
-              <a:ext uri="{FF2B5EF4-FFF2-40B4-BE49-F238E27FC236}">
-                <a16:creationId xmlns:a16="http://schemas.microsoft.com/office/drawing/2014/main" id="{152D3F54-48B5-CC03-7645-6873BAA9CA10}"/>
-              </a:ext>
-            </a:extLst>
-          </p:cNvPr>
-          <p:cNvPicPr>
-            <a:picLocks noChangeAspect="1" noChangeArrowheads="1"/>
-          </p:cNvPicPr>
-          <p:nvPr/>
-        </p:nvPicPr>
-        <p:blipFill>
-          <a:blip r:embed="rId3">
-            <a:extLst>
-              <a:ext uri="{28A0092B-C50C-407E-A947-70E740481C1C}">
-                <a14:useLocalDpi xmlns:a14="http://schemas.microsoft.com/office/drawing/2010/main" val="0"/>
-              </a:ext>
-            </a:extLst>
-          </a:blip>
-          <a:srcRect/>
-          <a:stretch>
-            <a:fillRect/>
-          </a:stretch>
-        </p:blipFill>
-        <p:spPr bwMode="auto">
-          <a:xfrm>
-            <a:off x="308924" y="1952036"/>
-            <a:ext cx="6215062" cy="3911150"/>
-          </a:xfrm>
-          <a:prstGeom prst="rect">
-            <a:avLst/>
-          </a:prstGeom>
-          <a:noFill/>
-          <a:extLst>
-            <a:ext uri="{909E8E84-426E-40DD-AFC4-6F175D3DCCD1}">
-              <a14:hiddenFill xmlns:a14="http://schemas.microsoft.com/office/drawing/2010/main">
-                <a:solidFill>
-                  <a:srgbClr val="FFFFFF"/>
-                </a:solidFill>
-              </a14:hiddenFill>
-            </a:ext>
-          </a:extLst>
-        </p:spPr>
-      </p:pic>
-    </p:spTree>
-    <p:extLst>
-      <p:ext uri="{BB962C8B-B14F-4D97-AF65-F5344CB8AC3E}">
-        <p14:creationId xmlns:p14="http://schemas.microsoft.com/office/powerpoint/2010/main" val="749891682"/>
       </p:ext>
     </p:extLst>
   </p:cSld>
